--- a/cnn-tips-and-tricks.pptx
+++ b/cnn-tips-and-tricks.pptx
@@ -10,35 +10,36 @@
     <p:sldId id="291" r:id="rId4"/>
     <p:sldId id="266" r:id="rId5"/>
     <p:sldId id="258" r:id="rId6"/>
-    <p:sldId id="259" r:id="rId7"/>
-    <p:sldId id="292" r:id="rId8"/>
-    <p:sldId id="260" r:id="rId9"/>
-    <p:sldId id="267" r:id="rId10"/>
-    <p:sldId id="261" r:id="rId11"/>
-    <p:sldId id="262" r:id="rId12"/>
-    <p:sldId id="264" r:id="rId13"/>
-    <p:sldId id="263" r:id="rId14"/>
-    <p:sldId id="265" r:id="rId15"/>
-    <p:sldId id="272" r:id="rId16"/>
-    <p:sldId id="268" r:id="rId17"/>
-    <p:sldId id="269" r:id="rId18"/>
-    <p:sldId id="270" r:id="rId19"/>
-    <p:sldId id="273" r:id="rId20"/>
-    <p:sldId id="277" r:id="rId21"/>
-    <p:sldId id="275" r:id="rId22"/>
-    <p:sldId id="278" r:id="rId23"/>
-    <p:sldId id="279" r:id="rId24"/>
-    <p:sldId id="289" r:id="rId25"/>
-    <p:sldId id="288" r:id="rId26"/>
-    <p:sldId id="280" r:id="rId27"/>
-    <p:sldId id="281" r:id="rId28"/>
-    <p:sldId id="283" r:id="rId29"/>
-    <p:sldId id="284" r:id="rId30"/>
-    <p:sldId id="290" r:id="rId31"/>
-    <p:sldId id="282" r:id="rId32"/>
-    <p:sldId id="293" r:id="rId33"/>
-    <p:sldId id="286" r:id="rId34"/>
-    <p:sldId id="287" r:id="rId35"/>
+    <p:sldId id="294" r:id="rId7"/>
+    <p:sldId id="259" r:id="rId8"/>
+    <p:sldId id="292" r:id="rId9"/>
+    <p:sldId id="260" r:id="rId10"/>
+    <p:sldId id="267" r:id="rId11"/>
+    <p:sldId id="261" r:id="rId12"/>
+    <p:sldId id="262" r:id="rId13"/>
+    <p:sldId id="264" r:id="rId14"/>
+    <p:sldId id="263" r:id="rId15"/>
+    <p:sldId id="265" r:id="rId16"/>
+    <p:sldId id="272" r:id="rId17"/>
+    <p:sldId id="268" r:id="rId18"/>
+    <p:sldId id="269" r:id="rId19"/>
+    <p:sldId id="270" r:id="rId20"/>
+    <p:sldId id="273" r:id="rId21"/>
+    <p:sldId id="277" r:id="rId22"/>
+    <p:sldId id="275" r:id="rId23"/>
+    <p:sldId id="278" r:id="rId24"/>
+    <p:sldId id="279" r:id="rId25"/>
+    <p:sldId id="289" r:id="rId26"/>
+    <p:sldId id="288" r:id="rId27"/>
+    <p:sldId id="280" r:id="rId28"/>
+    <p:sldId id="281" r:id="rId29"/>
+    <p:sldId id="283" r:id="rId30"/>
+    <p:sldId id="284" r:id="rId31"/>
+    <p:sldId id="290" r:id="rId32"/>
+    <p:sldId id="282" r:id="rId33"/>
+    <p:sldId id="293" r:id="rId34"/>
+    <p:sldId id="286" r:id="rId35"/>
+    <p:sldId id="287" r:id="rId36"/>
   </p:sldIdLst>
   <p:sldSz cx="12192000" cy="6858000"/>
   <p:notesSz cx="6858000" cy="9144000"/>
@@ -276,7 +277,7 @@
           <a:p>
             <a:fld id="{A122AF52-36FB-473A-95B1-935522EDF6B5}" type="datetimeFigureOut">
               <a:rPr lang="en-US" smtClean="0"/>
-              <a:t>9/14/2018</a:t>
+              <a:t>9/17/2018</a:t>
             </a:fld>
             <a:endParaRPr lang="en-US"/>
           </a:p>
@@ -446,7 +447,7 @@
           <a:p>
             <a:fld id="{A122AF52-36FB-473A-95B1-935522EDF6B5}" type="datetimeFigureOut">
               <a:rPr lang="en-US" smtClean="0"/>
-              <a:t>9/14/2018</a:t>
+              <a:t>9/17/2018</a:t>
             </a:fld>
             <a:endParaRPr lang="en-US"/>
           </a:p>
@@ -626,7 +627,7 @@
           <a:p>
             <a:fld id="{A122AF52-36FB-473A-95B1-935522EDF6B5}" type="datetimeFigureOut">
               <a:rPr lang="en-US" smtClean="0"/>
-              <a:t>9/14/2018</a:t>
+              <a:t>9/17/2018</a:t>
             </a:fld>
             <a:endParaRPr lang="en-US"/>
           </a:p>
@@ -796,7 +797,7 @@
           <a:p>
             <a:fld id="{A122AF52-36FB-473A-95B1-935522EDF6B5}" type="datetimeFigureOut">
               <a:rPr lang="en-US" smtClean="0"/>
-              <a:t>9/14/2018</a:t>
+              <a:t>9/17/2018</a:t>
             </a:fld>
             <a:endParaRPr lang="en-US"/>
           </a:p>
@@ -1042,7 +1043,7 @@
           <a:p>
             <a:fld id="{A122AF52-36FB-473A-95B1-935522EDF6B5}" type="datetimeFigureOut">
               <a:rPr lang="en-US" smtClean="0"/>
-              <a:t>9/14/2018</a:t>
+              <a:t>9/17/2018</a:t>
             </a:fld>
             <a:endParaRPr lang="en-US"/>
           </a:p>
@@ -1274,7 +1275,7 @@
           <a:p>
             <a:fld id="{A122AF52-36FB-473A-95B1-935522EDF6B5}" type="datetimeFigureOut">
               <a:rPr lang="en-US" smtClean="0"/>
-              <a:t>9/14/2018</a:t>
+              <a:t>9/17/2018</a:t>
             </a:fld>
             <a:endParaRPr lang="en-US"/>
           </a:p>
@@ -1641,7 +1642,7 @@
           <a:p>
             <a:fld id="{A122AF52-36FB-473A-95B1-935522EDF6B5}" type="datetimeFigureOut">
               <a:rPr lang="en-US" smtClean="0"/>
-              <a:t>9/14/2018</a:t>
+              <a:t>9/17/2018</a:t>
             </a:fld>
             <a:endParaRPr lang="en-US"/>
           </a:p>
@@ -1759,7 +1760,7 @@
           <a:p>
             <a:fld id="{A122AF52-36FB-473A-95B1-935522EDF6B5}" type="datetimeFigureOut">
               <a:rPr lang="en-US" smtClean="0"/>
-              <a:t>9/14/2018</a:t>
+              <a:t>9/17/2018</a:t>
             </a:fld>
             <a:endParaRPr lang="en-US"/>
           </a:p>
@@ -1854,7 +1855,7 @@
           <a:p>
             <a:fld id="{A122AF52-36FB-473A-95B1-935522EDF6B5}" type="datetimeFigureOut">
               <a:rPr lang="en-US" smtClean="0"/>
-              <a:t>9/14/2018</a:t>
+              <a:t>9/17/2018</a:t>
             </a:fld>
             <a:endParaRPr lang="en-US"/>
           </a:p>
@@ -2131,7 +2132,7 @@
           <a:p>
             <a:fld id="{A122AF52-36FB-473A-95B1-935522EDF6B5}" type="datetimeFigureOut">
               <a:rPr lang="en-US" smtClean="0"/>
-              <a:t>9/14/2018</a:t>
+              <a:t>9/17/2018</a:t>
             </a:fld>
             <a:endParaRPr lang="en-US"/>
           </a:p>
@@ -2384,7 +2385,7 @@
           <a:p>
             <a:fld id="{A122AF52-36FB-473A-95B1-935522EDF6B5}" type="datetimeFigureOut">
               <a:rPr lang="en-US" smtClean="0"/>
-              <a:t>9/14/2018</a:t>
+              <a:t>9/17/2018</a:t>
             </a:fld>
             <a:endParaRPr lang="en-US"/>
           </a:p>
@@ -2597,7 +2598,7 @@
           <a:p>
             <a:fld id="{A122AF52-36FB-473A-95B1-935522EDF6B5}" type="datetimeFigureOut">
               <a:rPr lang="en-US" smtClean="0"/>
-              <a:t>9/14/2018</a:t>
+              <a:t>9/17/2018</a:t>
             </a:fld>
             <a:endParaRPr lang="en-US"/>
           </a:p>
@@ -3097,6 +3098,93 @@
       </p:grpSpPr>
       <p:sp>
         <p:nvSpPr>
+          <p:cNvPr id="4" name="Title 3"/>
+          <p:cNvSpPr>
+            <a:spLocks noGrp="1"/>
+          </p:cNvSpPr>
+          <p:nvPr>
+            <p:ph type="title"/>
+          </p:nvPr>
+        </p:nvSpPr>
+        <p:spPr/>
+        <p:txBody>
+          <a:bodyPr/>
+          <a:lstStyle/>
+          <a:p>
+            <a:r>
+              <a:rPr lang="en-US" dirty="0" smtClean="0"/>
+              <a:t>Fine-tuning pre-trained CNN</a:t>
+            </a:r>
+            <a:endParaRPr lang="en-US" dirty="0"/>
+          </a:p>
+        </p:txBody>
+      </p:sp>
+      <p:sp>
+        <p:nvSpPr>
+          <p:cNvPr id="5" name="Text Placeholder 4"/>
+          <p:cNvSpPr>
+            <a:spLocks noGrp="1"/>
+          </p:cNvSpPr>
+          <p:nvPr>
+            <p:ph type="body" idx="1"/>
+          </p:nvPr>
+        </p:nvSpPr>
+        <p:spPr/>
+        <p:txBody>
+          <a:bodyPr/>
+          <a:lstStyle/>
+          <a:p>
+            <a:r>
+              <a:rPr lang="en-US" dirty="0" smtClean="0"/>
+              <a:t>fine-</a:t>
+            </a:r>
+            <a:r>
+              <a:rPr lang="en-US" dirty="0" err="1" smtClean="0"/>
+              <a:t>tuning.ipynb</a:t>
+            </a:r>
+            <a:endParaRPr lang="en-US" dirty="0"/>
+          </a:p>
+        </p:txBody>
+      </p:sp>
+    </p:spTree>
+    <p:extLst>
+      <p:ext uri="{BB962C8B-B14F-4D97-AF65-F5344CB8AC3E}">
+        <p14:creationId xmlns:p14="http://schemas.microsoft.com/office/powerpoint/2010/main" val="49459154"/>
+      </p:ext>
+    </p:extLst>
+  </p:cSld>
+  <p:clrMapOvr>
+    <a:masterClrMapping/>
+  </p:clrMapOvr>
+  <p:timing>
+    <p:tnLst>
+      <p:par>
+        <p:cTn id="1" dur="indefinite" restart="never" nodeType="tmRoot"/>
+      </p:par>
+    </p:tnLst>
+  </p:timing>
+</p:sld>
+</file>
+
+<file path=ppt/slides/slide11.xml><?xml version="1.0" encoding="utf-8"?>
+<p:sld xmlns:a="http://schemas.openxmlformats.org/drawingml/2006/main" xmlns:r="http://schemas.openxmlformats.org/officeDocument/2006/relationships" xmlns:p="http://schemas.openxmlformats.org/presentationml/2006/main">
+  <p:cSld>
+    <p:spTree>
+      <p:nvGrpSpPr>
+        <p:cNvPr id="1" name=""/>
+        <p:cNvGrpSpPr/>
+        <p:nvPr/>
+      </p:nvGrpSpPr>
+      <p:grpSpPr>
+        <a:xfrm>
+          <a:off x="0" y="0"/>
+          <a:ext cx="0" cy="0"/>
+          <a:chOff x="0" y="0"/>
+          <a:chExt cx="0" cy="0"/>
+        </a:xfrm>
+      </p:grpSpPr>
+      <p:sp>
+        <p:nvSpPr>
           <p:cNvPr id="2" name="Title 1"/>
           <p:cNvSpPr>
             <a:spLocks noGrp="1"/>
@@ -3205,7 +3293,7 @@
 </p:sld>
 </file>
 
-<file path=ppt/slides/slide11.xml><?xml version="1.0" encoding="utf-8"?>
+<file path=ppt/slides/slide12.xml><?xml version="1.0" encoding="utf-8"?>
 <p:sld xmlns:a="http://schemas.openxmlformats.org/drawingml/2006/main" xmlns:r="http://schemas.openxmlformats.org/officeDocument/2006/relationships" xmlns:p="http://schemas.openxmlformats.org/presentationml/2006/main">
   <p:cSld>
     <p:spTree>
@@ -3332,7 +3420,7 @@
 </p:sld>
 </file>
 
-<file path=ppt/slides/slide12.xml><?xml version="1.0" encoding="utf-8"?>
+<file path=ppt/slides/slide13.xml><?xml version="1.0" encoding="utf-8"?>
 <p:sld xmlns:a="http://schemas.openxmlformats.org/drawingml/2006/main" xmlns:r="http://schemas.openxmlformats.org/officeDocument/2006/relationships" xmlns:p="http://schemas.openxmlformats.org/presentationml/2006/main">
   <p:cSld>
     <p:spTree>
@@ -3455,7 +3543,7 @@
 </p:sld>
 </file>
 
-<file path=ppt/slides/slide13.xml><?xml version="1.0" encoding="utf-8"?>
+<file path=ppt/slides/slide14.xml><?xml version="1.0" encoding="utf-8"?>
 <p:sld xmlns:a="http://schemas.openxmlformats.org/drawingml/2006/main" xmlns:r="http://schemas.openxmlformats.org/officeDocument/2006/relationships" xmlns:p="http://schemas.openxmlformats.org/presentationml/2006/main">
   <p:cSld>
     <p:spTree>
@@ -3578,7 +3666,7 @@
 </p:sld>
 </file>
 
-<file path=ppt/slides/slide14.xml><?xml version="1.0" encoding="utf-8"?>
+<file path=ppt/slides/slide15.xml><?xml version="1.0" encoding="utf-8"?>
 <p:sld xmlns:a="http://schemas.openxmlformats.org/drawingml/2006/main" xmlns:r="http://schemas.openxmlformats.org/officeDocument/2006/relationships" xmlns:p="http://schemas.openxmlformats.org/presentationml/2006/main">
   <p:cSld>
     <p:spTree>
@@ -3701,7 +3789,7 @@
 </p:sld>
 </file>
 
-<file path=ppt/slides/slide15.xml><?xml version="1.0" encoding="utf-8"?>
+<file path=ppt/slides/slide16.xml><?xml version="1.0" encoding="utf-8"?>
 <p:sld xmlns:a="http://schemas.openxmlformats.org/drawingml/2006/main" xmlns:r="http://schemas.openxmlformats.org/officeDocument/2006/relationships" xmlns:p="http://schemas.openxmlformats.org/presentationml/2006/main">
   <p:cSld>
     <p:spTree>
@@ -3788,7 +3876,7 @@
 </p:sld>
 </file>
 
-<file path=ppt/slides/slide16.xml><?xml version="1.0" encoding="utf-8"?>
+<file path=ppt/slides/slide17.xml><?xml version="1.0" encoding="utf-8"?>
 <p:sld xmlns:a="http://schemas.openxmlformats.org/drawingml/2006/main" xmlns:r="http://schemas.openxmlformats.org/officeDocument/2006/relationships" xmlns:p="http://schemas.openxmlformats.org/presentationml/2006/main">
   <p:cSld>
     <p:spTree>
@@ -4054,7 +4142,7 @@
 </p:sld>
 </file>
 
-<file path=ppt/slides/slide17.xml><?xml version="1.0" encoding="utf-8"?>
+<file path=ppt/slides/slide18.xml><?xml version="1.0" encoding="utf-8"?>
 <p:sld xmlns:a="http://schemas.openxmlformats.org/drawingml/2006/main" xmlns:r="http://schemas.openxmlformats.org/officeDocument/2006/relationships" xmlns:p="http://schemas.openxmlformats.org/presentationml/2006/main">
   <p:cSld>
     <p:spTree>
@@ -4389,7 +4477,7 @@
 </p:sld>
 </file>
 
-<file path=ppt/slides/slide18.xml><?xml version="1.0" encoding="utf-8"?>
+<file path=ppt/slides/slide19.xml><?xml version="1.0" encoding="utf-8"?>
 <p:sld xmlns:a="http://schemas.openxmlformats.org/drawingml/2006/main" xmlns:r="http://schemas.openxmlformats.org/officeDocument/2006/relationships" xmlns:p="http://schemas.openxmlformats.org/presentationml/2006/main">
   <p:cSld>
     <p:spTree>
@@ -4562,7 +4650,165 @@
 </p:sld>
 </file>
 
-<file path=ppt/slides/slide19.xml><?xml version="1.0" encoding="utf-8"?>
+<file path=ppt/slides/slide2.xml><?xml version="1.0" encoding="utf-8"?>
+<p:sld xmlns:a="http://schemas.openxmlformats.org/drawingml/2006/main" xmlns:r="http://schemas.openxmlformats.org/officeDocument/2006/relationships" xmlns:p="http://schemas.openxmlformats.org/presentationml/2006/main">
+  <p:cSld>
+    <p:spTree>
+      <p:nvGrpSpPr>
+        <p:cNvPr id="1" name=""/>
+        <p:cNvGrpSpPr/>
+        <p:nvPr/>
+      </p:nvGrpSpPr>
+      <p:grpSpPr>
+        <a:xfrm>
+          <a:off x="0" y="0"/>
+          <a:ext cx="0" cy="0"/>
+          <a:chOff x="0" y="0"/>
+          <a:chExt cx="0" cy="0"/>
+        </a:xfrm>
+      </p:grpSpPr>
+      <p:sp>
+        <p:nvSpPr>
+          <p:cNvPr id="2" name="Title 1"/>
+          <p:cNvSpPr>
+            <a:spLocks noGrp="1"/>
+          </p:cNvSpPr>
+          <p:nvPr>
+            <p:ph type="title"/>
+          </p:nvPr>
+        </p:nvSpPr>
+        <p:spPr/>
+        <p:txBody>
+          <a:bodyPr/>
+          <a:lstStyle/>
+          <a:p>
+            <a:r>
+              <a:rPr lang="en-US" dirty="0" smtClean="0"/>
+              <a:t>Workshop setup</a:t>
+            </a:r>
+            <a:endParaRPr lang="en-US" dirty="0"/>
+          </a:p>
+        </p:txBody>
+      </p:sp>
+      <p:sp>
+        <p:nvSpPr>
+          <p:cNvPr id="3" name="Content Placeholder 2"/>
+          <p:cNvSpPr>
+            <a:spLocks noGrp="1"/>
+          </p:cNvSpPr>
+          <p:nvPr>
+            <p:ph idx="1"/>
+          </p:nvPr>
+        </p:nvSpPr>
+        <p:spPr/>
+        <p:txBody>
+          <a:bodyPr/>
+          <a:lstStyle/>
+          <a:p>
+            <a:pPr marL="514350" indent="-514350">
+              <a:buFont typeface="+mj-lt"/>
+              <a:buAutoNum type="arabicPeriod"/>
+            </a:pPr>
+            <a:r>
+              <a:rPr lang="en-US" dirty="0"/>
+              <a:t>Clone code from </a:t>
+            </a:r>
+            <a:r>
+              <a:rPr lang="en-US" dirty="0">
+                <a:hlinkClick r:id="rId2"/>
+              </a:rPr>
+              <a:t>https://</a:t>
+            </a:r>
+            <a:r>
+              <a:rPr lang="en-US" dirty="0" smtClean="0">
+                <a:hlinkClick r:id="rId2"/>
+              </a:rPr>
+              <a:t>github.com/hokmund/cnn-tips-and-tricks</a:t>
+            </a:r>
+            <a:endParaRPr lang="en-US" dirty="0" smtClean="0"/>
+          </a:p>
+          <a:p>
+            <a:pPr marL="514350" indent="-514350">
+              <a:buFont typeface="+mj-lt"/>
+              <a:buAutoNum type="arabicPeriod"/>
+            </a:pPr>
+            <a:r>
+              <a:rPr lang="en-US" dirty="0" smtClean="0"/>
+              <a:t>Download data and checkpoints from </a:t>
+            </a:r>
+            <a:r>
+              <a:rPr lang="en-US" u="sng" dirty="0">
+                <a:hlinkClick r:id="rId3"/>
+              </a:rPr>
+              <a:t>http://tiny.cc/4flryy</a:t>
+            </a:r>
+            <a:r>
+              <a:rPr lang="en-US" dirty="0"/>
+              <a:t> </a:t>
+            </a:r>
+            <a:endParaRPr lang="en-US" dirty="0" smtClean="0"/>
+          </a:p>
+          <a:p>
+            <a:pPr marL="514350" indent="-514350">
+              <a:buFont typeface="+mj-lt"/>
+              <a:buAutoNum type="arabicPeriod"/>
+            </a:pPr>
+            <a:r>
+              <a:rPr lang="en-US" dirty="0" smtClean="0"/>
+              <a:t>Extract them from the archive and place under </a:t>
+            </a:r>
+            <a:r>
+              <a:rPr lang="en-US" i="1" dirty="0" err="1" smtClean="0"/>
+              <a:t>src</a:t>
+            </a:r>
+            <a:r>
+              <a:rPr lang="en-US" i="1" dirty="0" smtClean="0"/>
+              <a:t>/ </a:t>
+            </a:r>
+            <a:r>
+              <a:rPr lang="en-US" dirty="0" smtClean="0"/>
+              <a:t>in the source code folder</a:t>
+            </a:r>
+            <a:endParaRPr lang="en-US" dirty="0" smtClean="0"/>
+          </a:p>
+          <a:p>
+            <a:pPr marL="514350" indent="-514350">
+              <a:buFont typeface="+mj-lt"/>
+              <a:buAutoNum type="arabicPeriod"/>
+            </a:pPr>
+            <a:r>
+              <a:rPr lang="en-US" dirty="0" smtClean="0"/>
+              <a:t>Run </a:t>
+            </a:r>
+            <a:r>
+              <a:rPr lang="en-US" i="1" dirty="0" smtClean="0"/>
+              <a:t>pip install –r requirements.txt</a:t>
+            </a:r>
+            <a:endParaRPr lang="en-US" i="1" dirty="0"/>
+          </a:p>
+        </p:txBody>
+      </p:sp>
+    </p:spTree>
+    <p:extLst>
+      <p:ext uri="{BB962C8B-B14F-4D97-AF65-F5344CB8AC3E}">
+        <p14:creationId xmlns:p14="http://schemas.microsoft.com/office/powerpoint/2010/main" val="419758280"/>
+      </p:ext>
+    </p:extLst>
+  </p:cSld>
+  <p:clrMapOvr>
+    <a:masterClrMapping/>
+  </p:clrMapOvr>
+  <p:timing>
+    <p:tnLst>
+      <p:par>
+        <p:cTn id="1" dur="indefinite" restart="never" nodeType="tmRoot"/>
+      </p:par>
+    </p:tnLst>
+  </p:timing>
+</p:sld>
+</file>
+
+<file path=ppt/slides/slide20.xml><?xml version="1.0" encoding="utf-8"?>
 <p:sld xmlns:a="http://schemas.openxmlformats.org/drawingml/2006/main" xmlns:r="http://schemas.openxmlformats.org/officeDocument/2006/relationships" xmlns:p="http://schemas.openxmlformats.org/presentationml/2006/main">
   <p:cSld>
     <p:spTree>
@@ -4763,149 +5009,7 @@
 </p:sld>
 </file>
 
-<file path=ppt/slides/slide2.xml><?xml version="1.0" encoding="utf-8"?>
-<p:sld xmlns:a="http://schemas.openxmlformats.org/drawingml/2006/main" xmlns:r="http://schemas.openxmlformats.org/officeDocument/2006/relationships" xmlns:p="http://schemas.openxmlformats.org/presentationml/2006/main">
-  <p:cSld>
-    <p:spTree>
-      <p:nvGrpSpPr>
-        <p:cNvPr id="1" name=""/>
-        <p:cNvGrpSpPr/>
-        <p:nvPr/>
-      </p:nvGrpSpPr>
-      <p:grpSpPr>
-        <a:xfrm>
-          <a:off x="0" y="0"/>
-          <a:ext cx="0" cy="0"/>
-          <a:chOff x="0" y="0"/>
-          <a:chExt cx="0" cy="0"/>
-        </a:xfrm>
-      </p:grpSpPr>
-      <p:sp>
-        <p:nvSpPr>
-          <p:cNvPr id="2" name="Title 1"/>
-          <p:cNvSpPr>
-            <a:spLocks noGrp="1"/>
-          </p:cNvSpPr>
-          <p:nvPr>
-            <p:ph type="title"/>
-          </p:nvPr>
-        </p:nvSpPr>
-        <p:spPr/>
-        <p:txBody>
-          <a:bodyPr/>
-          <a:lstStyle/>
-          <a:p>
-            <a:r>
-              <a:rPr lang="en-US" dirty="0" smtClean="0"/>
-              <a:t>Workshop setup</a:t>
-            </a:r>
-            <a:endParaRPr lang="en-US" dirty="0"/>
-          </a:p>
-        </p:txBody>
-      </p:sp>
-      <p:sp>
-        <p:nvSpPr>
-          <p:cNvPr id="3" name="Content Placeholder 2"/>
-          <p:cNvSpPr>
-            <a:spLocks noGrp="1"/>
-          </p:cNvSpPr>
-          <p:nvPr>
-            <p:ph idx="1"/>
-          </p:nvPr>
-        </p:nvSpPr>
-        <p:spPr/>
-        <p:txBody>
-          <a:bodyPr/>
-          <a:lstStyle/>
-          <a:p>
-            <a:pPr marL="514350" indent="-514350">
-              <a:buFont typeface="+mj-lt"/>
-              <a:buAutoNum type="arabicPeriod"/>
-            </a:pPr>
-            <a:r>
-              <a:rPr lang="en-US" dirty="0"/>
-              <a:t>Clone code from </a:t>
-            </a:r>
-            <a:r>
-              <a:rPr lang="en-US" dirty="0">
-                <a:hlinkClick r:id="rId2"/>
-              </a:rPr>
-              <a:t>https://</a:t>
-            </a:r>
-            <a:r>
-              <a:rPr lang="en-US" dirty="0" smtClean="0">
-                <a:hlinkClick r:id="rId2"/>
-              </a:rPr>
-              <a:t>github.com/hokmund/cnn-tips-and-tricks</a:t>
-            </a:r>
-            <a:endParaRPr lang="en-US" dirty="0" smtClean="0"/>
-          </a:p>
-          <a:p>
-            <a:pPr marL="514350" indent="-514350">
-              <a:buFont typeface="+mj-lt"/>
-              <a:buAutoNum type="arabicPeriod"/>
-            </a:pPr>
-            <a:r>
-              <a:rPr lang="en-US" dirty="0" smtClean="0"/>
-              <a:t>Download data and checkpoints from </a:t>
-            </a:r>
-          </a:p>
-          <a:p>
-            <a:pPr marL="514350" indent="-514350">
-              <a:buFont typeface="+mj-lt"/>
-              <a:buAutoNum type="arabicPeriod"/>
-            </a:pPr>
-            <a:r>
-              <a:rPr lang="en-US" dirty="0" smtClean="0"/>
-              <a:t>Extract them from the archive and place under </a:t>
-            </a:r>
-            <a:r>
-              <a:rPr lang="en-US" i="1" dirty="0" err="1" smtClean="0"/>
-              <a:t>src</a:t>
-            </a:r>
-            <a:r>
-              <a:rPr lang="en-US" i="1" dirty="0" smtClean="0"/>
-              <a:t>/</a:t>
-            </a:r>
-          </a:p>
-          <a:p>
-            <a:pPr marL="514350" indent="-514350">
-              <a:buFont typeface="+mj-lt"/>
-              <a:buAutoNum type="arabicPeriod"/>
-            </a:pPr>
-            <a:r>
-              <a:rPr lang="en-US" dirty="0" smtClean="0"/>
-              <a:t>Run </a:t>
-            </a:r>
-            <a:r>
-              <a:rPr lang="en-US" i="1" dirty="0" smtClean="0"/>
-              <a:t>pip install –r requirements.txt</a:t>
-            </a:r>
-            <a:endParaRPr lang="en-US" i="1" dirty="0"/>
-          </a:p>
-        </p:txBody>
-      </p:sp>
-    </p:spTree>
-    <p:extLst>
-      <p:ext uri="{BB962C8B-B14F-4D97-AF65-F5344CB8AC3E}">
-        <p14:creationId xmlns:p14="http://schemas.microsoft.com/office/powerpoint/2010/main" val="419758280"/>
-      </p:ext>
-    </p:extLst>
-  </p:cSld>
-  <p:clrMapOvr>
-    <a:masterClrMapping/>
-  </p:clrMapOvr>
-  <p:timing>
-    <p:tnLst>
-      <p:par>
-        <p:cTn id="1" dur="indefinite" restart="never" nodeType="tmRoot"/>
-      </p:par>
-    </p:tnLst>
-  </p:timing>
-</p:sld>
-</file>
-
-<file path=ppt/slides/slide20.xml><?xml version="1.0" encoding="utf-8"?>
+<file path=ppt/slides/slide21.xml><?xml version="1.0" encoding="utf-8"?>
 <p:sld xmlns:a="http://schemas.openxmlformats.org/drawingml/2006/main" xmlns:r="http://schemas.openxmlformats.org/officeDocument/2006/relationships" xmlns:p="http://schemas.openxmlformats.org/presentationml/2006/main">
   <p:cSld>
     <p:spTree>
@@ -5067,7 +5171,7 @@
 </p:sld>
 </file>
 
-<file path=ppt/slides/slide21.xml><?xml version="1.0" encoding="utf-8"?>
+<file path=ppt/slides/slide22.xml><?xml version="1.0" encoding="utf-8"?>
 <p:sld xmlns:a="http://schemas.openxmlformats.org/drawingml/2006/main" xmlns:r="http://schemas.openxmlformats.org/officeDocument/2006/relationships" xmlns:p="http://schemas.openxmlformats.org/presentationml/2006/main">
   <p:cSld>
     <p:spTree>
@@ -5154,7 +5258,7 @@
 </p:sld>
 </file>
 
-<file path=ppt/slides/slide22.xml><?xml version="1.0" encoding="utf-8"?>
+<file path=ppt/slides/slide23.xml><?xml version="1.0" encoding="utf-8"?>
 <p:sld xmlns:a="http://schemas.openxmlformats.org/drawingml/2006/main" xmlns:r="http://schemas.openxmlformats.org/officeDocument/2006/relationships" xmlns:p="http://schemas.openxmlformats.org/presentationml/2006/main">
   <p:cSld>
     <p:spTree>
@@ -5316,7 +5420,7 @@
 </p:sld>
 </file>
 
-<file path=ppt/slides/slide23.xml><?xml version="1.0" encoding="utf-8"?>
+<file path=ppt/slides/slide24.xml><?xml version="1.0" encoding="utf-8"?>
 <p:sld xmlns:a="http://schemas.openxmlformats.org/drawingml/2006/main" xmlns:r="http://schemas.openxmlformats.org/officeDocument/2006/relationships" xmlns:p="http://schemas.openxmlformats.org/presentationml/2006/main">
   <p:cSld>
     <p:spTree>
@@ -5403,7 +5507,7 @@
 </p:sld>
 </file>
 
-<file path=ppt/slides/slide24.xml><?xml version="1.0" encoding="utf-8"?>
+<file path=ppt/slides/slide25.xml><?xml version="1.0" encoding="utf-8"?>
 <p:sld xmlns:a="http://schemas.openxmlformats.org/drawingml/2006/main" xmlns:r="http://schemas.openxmlformats.org/officeDocument/2006/relationships" xmlns:p="http://schemas.openxmlformats.org/presentationml/2006/main">
   <p:cSld>
     <p:spTree>
@@ -5929,7 +6033,7 @@
 </p:sld>
 </file>
 
-<file path=ppt/slides/slide25.xml><?xml version="1.0" encoding="utf-8"?>
+<file path=ppt/slides/slide26.xml><?xml version="1.0" encoding="utf-8"?>
 <p:sld xmlns:a="http://schemas.openxmlformats.org/drawingml/2006/main" xmlns:r="http://schemas.openxmlformats.org/officeDocument/2006/relationships" xmlns:p="http://schemas.openxmlformats.org/presentationml/2006/main">
   <p:cSld>
     <p:spTree>
@@ -6016,7 +6120,7 @@
 </p:sld>
 </file>
 
-<file path=ppt/slides/slide26.xml><?xml version="1.0" encoding="utf-8"?>
+<file path=ppt/slides/slide27.xml><?xml version="1.0" encoding="utf-8"?>
 <p:sld xmlns:a="http://schemas.openxmlformats.org/drawingml/2006/main" xmlns:r="http://schemas.openxmlformats.org/officeDocument/2006/relationships" xmlns:p="http://schemas.openxmlformats.org/presentationml/2006/main">
   <p:cSld>
     <p:spTree>
@@ -6168,7 +6272,7 @@
 </p:sld>
 </file>
 
-<file path=ppt/slides/slide27.xml><?xml version="1.0" encoding="utf-8"?>
+<file path=ppt/slides/slide28.xml><?xml version="1.0" encoding="utf-8"?>
 <p:sld xmlns:a="http://schemas.openxmlformats.org/drawingml/2006/main" xmlns:r="http://schemas.openxmlformats.org/officeDocument/2006/relationships" xmlns:p="http://schemas.openxmlformats.org/presentationml/2006/main">
   <p:cSld>
     <p:spTree>
@@ -6258,7 +6362,7 @@
 </p:sld>
 </file>
 
-<file path=ppt/slides/slide28.xml><?xml version="1.0" encoding="utf-8"?>
+<file path=ppt/slides/slide29.xml><?xml version="1.0" encoding="utf-8"?>
 <p:sld xmlns:a="http://schemas.openxmlformats.org/drawingml/2006/main" xmlns:r="http://schemas.openxmlformats.org/officeDocument/2006/relationships" xmlns:p="http://schemas.openxmlformats.org/presentationml/2006/main">
   <p:cSld>
     <p:spTree>
@@ -6390,143 +6494,6 @@
 </p:sld>
 </file>
 
-<file path=ppt/slides/slide29.xml><?xml version="1.0" encoding="utf-8"?>
-<p:sld xmlns:a="http://schemas.openxmlformats.org/drawingml/2006/main" xmlns:r="http://schemas.openxmlformats.org/officeDocument/2006/relationships" xmlns:p="http://schemas.openxmlformats.org/presentationml/2006/main">
-  <p:cSld>
-    <p:spTree>
-      <p:nvGrpSpPr>
-        <p:cNvPr id="1" name=""/>
-        <p:cNvGrpSpPr/>
-        <p:nvPr/>
-      </p:nvGrpSpPr>
-      <p:grpSpPr>
-        <a:xfrm>
-          <a:off x="0" y="0"/>
-          <a:ext cx="0" cy="0"/>
-          <a:chOff x="0" y="0"/>
-          <a:chExt cx="0" cy="0"/>
-        </a:xfrm>
-      </p:grpSpPr>
-      <p:sp>
-        <p:nvSpPr>
-          <p:cNvPr id="2" name="Title 1"/>
-          <p:cNvSpPr>
-            <a:spLocks noGrp="1"/>
-          </p:cNvSpPr>
-          <p:nvPr>
-            <p:ph type="title"/>
-          </p:nvPr>
-        </p:nvSpPr>
-        <p:spPr/>
-        <p:txBody>
-          <a:bodyPr/>
-          <a:lstStyle/>
-          <a:p>
-            <a:r>
-              <a:rPr lang="en-US" dirty="0" err="1" smtClean="0"/>
-              <a:t>Pseudolabeling</a:t>
-            </a:r>
-            <a:endParaRPr lang="en-US" dirty="0"/>
-          </a:p>
-        </p:txBody>
-      </p:sp>
-      <p:sp>
-        <p:nvSpPr>
-          <p:cNvPr id="5" name="Content Placeholder 4"/>
-          <p:cNvSpPr>
-            <a:spLocks noGrp="1"/>
-          </p:cNvSpPr>
-          <p:nvPr>
-            <p:ph idx="1"/>
-          </p:nvPr>
-        </p:nvSpPr>
-        <p:spPr/>
-        <p:txBody>
-          <a:bodyPr>
-            <a:normAutofit/>
-          </a:bodyPr>
-          <a:lstStyle/>
-          <a:p>
-            <a:pPr marL="514350" indent="-514350">
-              <a:buFont typeface="+mj-lt"/>
-              <a:buAutoNum type="arabicPeriod"/>
-            </a:pPr>
-            <a:r>
-              <a:rPr lang="en-US" sz="3200" dirty="0" smtClean="0"/>
-              <a:t>Train classifier on the initial training set.</a:t>
-            </a:r>
-          </a:p>
-          <a:p>
-            <a:pPr marL="514350" indent="-514350">
-              <a:buFont typeface="+mj-lt"/>
-              <a:buAutoNum type="arabicPeriod"/>
-            </a:pPr>
-            <a:r>
-              <a:rPr lang="en-US" sz="3200" dirty="0" smtClean="0"/>
-              <a:t>Predict validation / test set with your classifier.</a:t>
-            </a:r>
-          </a:p>
-          <a:p>
-            <a:pPr marL="514350" indent="-514350">
-              <a:buFont typeface="+mj-lt"/>
-              <a:buAutoNum type="arabicPeriod"/>
-            </a:pPr>
-            <a:r>
-              <a:rPr lang="en-US" sz="3200" dirty="0" smtClean="0"/>
-              <a:t>Optional: remove images with low-confidence labels.</a:t>
-            </a:r>
-          </a:p>
-          <a:p>
-            <a:pPr marL="514350" indent="-514350">
-              <a:buFont typeface="+mj-lt"/>
-              <a:buAutoNum type="arabicPeriod"/>
-            </a:pPr>
-            <a:r>
-              <a:rPr lang="en-US" sz="3200" dirty="0" smtClean="0"/>
-              <a:t>Add </a:t>
-            </a:r>
-            <a:r>
-              <a:rPr lang="en-US" sz="3200" dirty="0" err="1" smtClean="0"/>
-              <a:t>pseudolabeled</a:t>
-            </a:r>
-            <a:r>
-              <a:rPr lang="en-US" sz="3200" dirty="0" smtClean="0"/>
-              <a:t> data to your training set.</a:t>
-            </a:r>
-          </a:p>
-          <a:p>
-            <a:pPr marL="514350" indent="-514350">
-              <a:buFont typeface="+mj-lt"/>
-              <a:buAutoNum type="arabicPeriod"/>
-            </a:pPr>
-            <a:r>
-              <a:rPr lang="en-US" sz="3200" dirty="0" smtClean="0"/>
-              <a:t>Use it to train CNN from scratch (some kind of a warmup) or to refine your previous classifier.</a:t>
-            </a:r>
-            <a:endParaRPr lang="en-US" sz="3200" dirty="0"/>
-          </a:p>
-        </p:txBody>
-      </p:sp>
-    </p:spTree>
-    <p:extLst>
-      <p:ext uri="{BB962C8B-B14F-4D97-AF65-F5344CB8AC3E}">
-        <p14:creationId xmlns:p14="http://schemas.microsoft.com/office/powerpoint/2010/main" val="3586073535"/>
-      </p:ext>
-    </p:extLst>
-  </p:cSld>
-  <p:clrMapOvr>
-    <a:masterClrMapping/>
-  </p:clrMapOvr>
-  <p:timing>
-    <p:tnLst>
-      <p:par>
-        <p:cTn id="1" dur="indefinite" restart="never" nodeType="tmRoot"/>
-      </p:par>
-    </p:tnLst>
-  </p:timing>
-</p:sld>
-</file>
-
 <file path=ppt/slides/slide3.xml><?xml version="1.0" encoding="utf-8"?>
 <p:sld xmlns:a="http://schemas.openxmlformats.org/drawingml/2006/main" xmlns:r="http://schemas.openxmlformats.org/officeDocument/2006/relationships" xmlns:p="http://schemas.openxmlformats.org/presentationml/2006/main">
   <p:cSld>
@@ -6681,6 +6648,13 @@
   <p:clrMapOvr>
     <a:masterClrMapping/>
   </p:clrMapOvr>
+  <p:timing>
+    <p:tnLst>
+      <p:par>
+        <p:cTn id="1" dur="indefinite" restart="never" nodeType="tmRoot"/>
+      </p:par>
+    </p:tnLst>
+  </p:timing>
 </p:sld>
 </file>
 
@@ -6720,14 +6694,6 @@
               <a:rPr lang="en-US" dirty="0" err="1" smtClean="0"/>
               <a:t>Pseudolabeling</a:t>
             </a:r>
-            <a:r>
-              <a:rPr lang="en-US" dirty="0"/>
-              <a:t> </a:t>
-            </a:r>
-            <a:r>
-              <a:rPr lang="en-US" dirty="0" smtClean="0"/>
-              <a:t>constraints</a:t>
-            </a:r>
             <a:endParaRPr lang="en-US" dirty="0"/>
           </a:p>
         </p:txBody>
@@ -6755,9 +6721,8 @@
             </a:pPr>
             <a:r>
               <a:rPr lang="en-US" sz="3200" dirty="0" smtClean="0"/>
-              <a:t>Test dataset has reasonable size (at least comparable to the training set).</a:t>
-            </a:r>
-            <a:endParaRPr lang="en-US" sz="2400" dirty="0" smtClean="0"/>
+              <a:t>Train classifier on the initial training set.</a:t>
+            </a:r>
           </a:p>
           <a:p>
             <a:pPr marL="514350" indent="-514350">
@@ -6766,23 +6731,7 @@
             </a:pPr>
             <a:r>
               <a:rPr lang="en-US" sz="3200" dirty="0" smtClean="0"/>
-              <a:t>Network which is trained on </a:t>
-            </a:r>
-            <a:r>
-              <a:rPr lang="en-US" sz="3200" dirty="0" err="1" smtClean="0"/>
-              <a:t>pseudolabels</a:t>
-            </a:r>
-            <a:r>
-              <a:rPr lang="en-US" sz="3200" dirty="0" smtClean="0"/>
-              <a:t> is deep enough (especially when </a:t>
-            </a:r>
-            <a:r>
-              <a:rPr lang="en-US" sz="3200" dirty="0" err="1" smtClean="0"/>
-              <a:t>pseudolabels</a:t>
-            </a:r>
-            <a:r>
-              <a:rPr lang="en-US" sz="3200" dirty="0" smtClean="0"/>
-              <a:t> are generated by an ensemble of models).</a:t>
+              <a:t>Predict validation / test set with your classifier.</a:t>
             </a:r>
           </a:p>
           <a:p>
@@ -6792,7 +6741,17 @@
             </a:pPr>
             <a:r>
               <a:rPr lang="en-US" sz="3200" dirty="0" smtClean="0"/>
-              <a:t>Training data and </a:t>
+              <a:t>Optional: remove images with low-confidence labels.</a:t>
+            </a:r>
+          </a:p>
+          <a:p>
+            <a:pPr marL="514350" indent="-514350">
+              <a:buFont typeface="+mj-lt"/>
+              <a:buAutoNum type="arabicPeriod"/>
+            </a:pPr>
+            <a:r>
+              <a:rPr lang="en-US" sz="3200" dirty="0" smtClean="0"/>
+              <a:t>Add </a:t>
             </a:r>
             <a:r>
               <a:rPr lang="en-US" sz="3200" dirty="0" err="1" smtClean="0"/>
@@ -6800,7 +6759,17 @@
             </a:r>
             <a:r>
               <a:rPr lang="en-US" sz="3200" dirty="0" smtClean="0"/>
-              <a:t> data are mixed in 1:2 – 1:4 proportions respectively.</a:t>
+              <a:t> data to your training set.</a:t>
+            </a:r>
+          </a:p>
+          <a:p>
+            <a:pPr marL="514350" indent="-514350">
+              <a:buFont typeface="+mj-lt"/>
+              <a:buAutoNum type="arabicPeriod"/>
+            </a:pPr>
+            <a:r>
+              <a:rPr lang="en-US" sz="3200" dirty="0" smtClean="0"/>
+              <a:t>Use it to train CNN from scratch (some kind of a warmup) or to refine your previous classifier.</a:t>
             </a:r>
             <a:endParaRPr lang="en-US" sz="3200" dirty="0"/>
           </a:p>
@@ -6809,7 +6778,7 @@
     </p:spTree>
     <p:extLst>
       <p:ext uri="{BB962C8B-B14F-4D97-AF65-F5344CB8AC3E}">
-        <p14:creationId xmlns:p14="http://schemas.microsoft.com/office/powerpoint/2010/main" val="2934982308"/>
+        <p14:creationId xmlns:p14="http://schemas.microsoft.com/office/powerpoint/2010/main" val="3586073535"/>
       </p:ext>
     </p:extLst>
   </p:cSld>
@@ -6862,37 +6831,96 @@
               <a:rPr lang="en-US" dirty="0" err="1" smtClean="0"/>
               <a:t>Pseudolabeling</a:t>
             </a:r>
+            <a:r>
+              <a:rPr lang="en-US" dirty="0"/>
+              <a:t> </a:t>
+            </a:r>
+            <a:r>
+              <a:rPr lang="en-US" dirty="0" smtClean="0"/>
+              <a:t>constraints</a:t>
+            </a:r>
             <a:endParaRPr lang="en-US" dirty="0"/>
           </a:p>
         </p:txBody>
       </p:sp>
       <p:sp>
         <p:nvSpPr>
-          <p:cNvPr id="4" name="Text Placeholder 5"/>
-          <p:cNvSpPr>
-            <a:spLocks noGrp="1"/>
-          </p:cNvSpPr>
-          <p:nvPr>
-            <p:ph type="body" idx="1"/>
-          </p:nvPr>
-        </p:nvSpPr>
-        <p:spPr/>
-        <p:txBody>
-          <a:bodyPr/>
-          <a:lstStyle/>
-          <a:p>
-            <a:r>
-              <a:rPr lang="en-US" dirty="0" err="1" smtClean="0"/>
-              <a:t>pseudolabeling.ipynb</a:t>
-            </a:r>
-            <a:endParaRPr lang="en-US" dirty="0"/>
+          <p:cNvPr id="5" name="Content Placeholder 4"/>
+          <p:cNvSpPr>
+            <a:spLocks noGrp="1"/>
+          </p:cNvSpPr>
+          <p:nvPr>
+            <p:ph idx="1"/>
+          </p:nvPr>
+        </p:nvSpPr>
+        <p:spPr/>
+        <p:txBody>
+          <a:bodyPr>
+            <a:normAutofit/>
+          </a:bodyPr>
+          <a:lstStyle/>
+          <a:p>
+            <a:pPr marL="514350" indent="-514350">
+              <a:buFont typeface="+mj-lt"/>
+              <a:buAutoNum type="arabicPeriod"/>
+            </a:pPr>
+            <a:r>
+              <a:rPr lang="en-US" sz="3200" dirty="0" smtClean="0"/>
+              <a:t>Test dataset has reasonable size (at least comparable to the training set).</a:t>
+            </a:r>
+            <a:endParaRPr lang="en-US" sz="2400" dirty="0" smtClean="0"/>
+          </a:p>
+          <a:p>
+            <a:pPr marL="514350" indent="-514350">
+              <a:buFont typeface="+mj-lt"/>
+              <a:buAutoNum type="arabicPeriod"/>
+            </a:pPr>
+            <a:r>
+              <a:rPr lang="en-US" sz="3200" dirty="0" smtClean="0"/>
+              <a:t>Network which is trained on </a:t>
+            </a:r>
+            <a:r>
+              <a:rPr lang="en-US" sz="3200" dirty="0" err="1" smtClean="0"/>
+              <a:t>pseudolabels</a:t>
+            </a:r>
+            <a:r>
+              <a:rPr lang="en-US" sz="3200" dirty="0" smtClean="0"/>
+              <a:t> is deep enough (especially when </a:t>
+            </a:r>
+            <a:r>
+              <a:rPr lang="en-US" sz="3200" dirty="0" err="1" smtClean="0"/>
+              <a:t>pseudolabels</a:t>
+            </a:r>
+            <a:r>
+              <a:rPr lang="en-US" sz="3200" dirty="0" smtClean="0"/>
+              <a:t> are generated by an ensemble of models).</a:t>
+            </a:r>
+          </a:p>
+          <a:p>
+            <a:pPr marL="514350" indent="-514350">
+              <a:buFont typeface="+mj-lt"/>
+              <a:buAutoNum type="arabicPeriod"/>
+            </a:pPr>
+            <a:r>
+              <a:rPr lang="en-US" sz="3200" dirty="0" smtClean="0"/>
+              <a:t>Training data and </a:t>
+            </a:r>
+            <a:r>
+              <a:rPr lang="en-US" sz="3200" dirty="0" err="1" smtClean="0"/>
+              <a:t>pseudolabeled</a:t>
+            </a:r>
+            <a:r>
+              <a:rPr lang="en-US" sz="3200" dirty="0" smtClean="0"/>
+              <a:t> data are mixed in 1:2 – 1:4 proportions respectively.</a:t>
+            </a:r>
+            <a:endParaRPr lang="en-US" sz="3200" dirty="0"/>
           </a:p>
         </p:txBody>
       </p:sp>
     </p:spTree>
     <p:extLst>
       <p:ext uri="{BB962C8B-B14F-4D97-AF65-F5344CB8AC3E}">
-        <p14:creationId xmlns:p14="http://schemas.microsoft.com/office/powerpoint/2010/main" val="1078916155"/>
+        <p14:creationId xmlns:p14="http://schemas.microsoft.com/office/powerpoint/2010/main" val="2934982308"/>
       </p:ext>
     </p:extLst>
   </p:cSld>
@@ -6928,7 +6956,7 @@
       </p:grpSpPr>
       <p:sp>
         <p:nvSpPr>
-          <p:cNvPr id="4" name="Title 3"/>
+          <p:cNvPr id="2" name="Title 1"/>
           <p:cNvSpPr>
             <a:spLocks noGrp="1"/>
           </p:cNvSpPr>
@@ -6942,8 +6970,8 @@
           <a:lstStyle/>
           <a:p>
             <a:r>
-              <a:rPr lang="en-US" dirty="0" smtClean="0"/>
-              <a:t>Summary</a:t>
+              <a:rPr lang="en-US" dirty="0" err="1" smtClean="0"/>
+              <a:t>Pseudolabeling</a:t>
             </a:r>
             <a:endParaRPr lang="en-US" dirty="0"/>
           </a:p>
@@ -6951,99 +6979,23 @@
       </p:sp>
       <p:sp>
         <p:nvSpPr>
-          <p:cNvPr id="5" name="Content Placeholder 4"/>
-          <p:cNvSpPr>
-            <a:spLocks noGrp="1"/>
-          </p:cNvSpPr>
-          <p:nvPr>
-            <p:ph idx="1"/>
-          </p:nvPr>
-        </p:nvSpPr>
-        <p:spPr/>
-        <p:txBody>
-          <a:bodyPr/>
-          <a:lstStyle/>
-          <a:p>
-            <a:pPr marL="514350" indent="-514350">
-              <a:buFont typeface="+mj-lt"/>
-              <a:buAutoNum type="arabicPeriod"/>
-            </a:pPr>
-            <a:r>
-              <a:rPr lang="en-US" dirty="0" smtClean="0"/>
-              <a:t>Train network’s head</a:t>
-            </a:r>
-          </a:p>
-          <a:p>
-            <a:pPr marL="514350" indent="-514350">
-              <a:buFont typeface="+mj-lt"/>
-              <a:buAutoNum type="arabicPeriod"/>
-            </a:pPr>
-            <a:r>
-              <a:rPr lang="en-US" dirty="0" smtClean="0"/>
-              <a:t>Add head to the convolutional part</a:t>
-            </a:r>
-          </a:p>
-          <a:p>
-            <a:pPr marL="514350" indent="-514350">
-              <a:buFont typeface="+mj-lt"/>
-              <a:buAutoNum type="arabicPeriod"/>
-            </a:pPr>
-            <a:r>
-              <a:rPr lang="en-US" dirty="0" smtClean="0"/>
-              <a:t>Add augmentations and learning rate scheduling / CLR</a:t>
-            </a:r>
-          </a:p>
-          <a:p>
-            <a:pPr marL="514350" indent="-514350">
-              <a:buFont typeface="+mj-lt"/>
-              <a:buAutoNum type="arabicPeriod"/>
-            </a:pPr>
-            <a:r>
-              <a:rPr lang="en-US" dirty="0" smtClean="0"/>
-              <a:t>Select appropriate loss</a:t>
-            </a:r>
-          </a:p>
-          <a:p>
-            <a:pPr marL="514350" indent="-514350">
-              <a:buFont typeface="+mj-lt"/>
-              <a:buAutoNum type="arabicPeriod"/>
-            </a:pPr>
-            <a:r>
-              <a:rPr lang="en-US" dirty="0" smtClean="0"/>
-              <a:t>Predict with test-time augmentations</a:t>
-            </a:r>
-          </a:p>
-          <a:p>
-            <a:pPr marL="514350" indent="-514350">
-              <a:buFont typeface="+mj-lt"/>
-              <a:buAutoNum type="arabicPeriod"/>
-            </a:pPr>
-            <a:r>
-              <a:rPr lang="en-US" dirty="0" smtClean="0"/>
-              <a:t>If you don’t have enough training data, apply </a:t>
-            </a:r>
+          <p:cNvPr id="4" name="Text Placeholder 5"/>
+          <p:cNvSpPr>
+            <a:spLocks noGrp="1"/>
+          </p:cNvSpPr>
+          <p:nvPr>
+            <p:ph type="body" idx="1"/>
+          </p:nvPr>
+        </p:nvSpPr>
+        <p:spPr/>
+        <p:txBody>
+          <a:bodyPr/>
+          <a:lstStyle/>
+          <a:p>
             <a:r>
               <a:rPr lang="en-US" dirty="0" err="1" smtClean="0"/>
-              <a:t>pseudolabeling</a:t>
-            </a:r>
-            <a:endParaRPr lang="en-US" dirty="0" smtClean="0"/>
-          </a:p>
-          <a:p>
-            <a:pPr marL="514350" indent="-514350">
-              <a:buFont typeface="+mj-lt"/>
-              <a:buAutoNum type="arabicPeriod"/>
-            </a:pPr>
-            <a:r>
-              <a:rPr lang="en-US" smtClean="0"/>
-              <a:t>Good luck!</a:t>
-            </a:r>
-            <a:endParaRPr lang="en-US" dirty="0" smtClean="0"/>
-          </a:p>
-          <a:p>
-            <a:pPr marL="514350" indent="-514350">
-              <a:buFont typeface="+mj-lt"/>
-              <a:buAutoNum type="arabicPeriod"/>
-            </a:pPr>
+              <a:t>pseudolabeling.ipynb</a:t>
+            </a:r>
             <a:endParaRPr lang="en-US" dirty="0"/>
           </a:p>
         </p:txBody>
@@ -7051,7 +7003,7 @@
     </p:spTree>
     <p:extLst>
       <p:ext uri="{BB962C8B-B14F-4D97-AF65-F5344CB8AC3E}">
-        <p14:creationId xmlns:p14="http://schemas.microsoft.com/office/powerpoint/2010/main" val="2427094357"/>
+        <p14:creationId xmlns:p14="http://schemas.microsoft.com/office/powerpoint/2010/main" val="1078916155"/>
       </p:ext>
     </p:extLst>
   </p:cSld>
@@ -7087,6 +7039,165 @@
       </p:grpSpPr>
       <p:sp>
         <p:nvSpPr>
+          <p:cNvPr id="4" name="Title 3"/>
+          <p:cNvSpPr>
+            <a:spLocks noGrp="1"/>
+          </p:cNvSpPr>
+          <p:nvPr>
+            <p:ph type="title"/>
+          </p:nvPr>
+        </p:nvSpPr>
+        <p:spPr/>
+        <p:txBody>
+          <a:bodyPr/>
+          <a:lstStyle/>
+          <a:p>
+            <a:r>
+              <a:rPr lang="en-US" dirty="0" smtClean="0"/>
+              <a:t>Summary</a:t>
+            </a:r>
+            <a:endParaRPr lang="en-US" dirty="0"/>
+          </a:p>
+        </p:txBody>
+      </p:sp>
+      <p:sp>
+        <p:nvSpPr>
+          <p:cNvPr id="5" name="Content Placeholder 4"/>
+          <p:cNvSpPr>
+            <a:spLocks noGrp="1"/>
+          </p:cNvSpPr>
+          <p:nvPr>
+            <p:ph idx="1"/>
+          </p:nvPr>
+        </p:nvSpPr>
+        <p:spPr/>
+        <p:txBody>
+          <a:bodyPr/>
+          <a:lstStyle/>
+          <a:p>
+            <a:pPr marL="514350" indent="-514350">
+              <a:buFont typeface="+mj-lt"/>
+              <a:buAutoNum type="arabicPeriod"/>
+            </a:pPr>
+            <a:r>
+              <a:rPr lang="en-US" dirty="0" smtClean="0"/>
+              <a:t>Train network’s head</a:t>
+            </a:r>
+          </a:p>
+          <a:p>
+            <a:pPr marL="514350" indent="-514350">
+              <a:buFont typeface="+mj-lt"/>
+              <a:buAutoNum type="arabicPeriod"/>
+            </a:pPr>
+            <a:r>
+              <a:rPr lang="en-US" dirty="0" smtClean="0"/>
+              <a:t>Add head to the convolutional part</a:t>
+            </a:r>
+          </a:p>
+          <a:p>
+            <a:pPr marL="514350" indent="-514350">
+              <a:buFont typeface="+mj-lt"/>
+              <a:buAutoNum type="arabicPeriod"/>
+            </a:pPr>
+            <a:r>
+              <a:rPr lang="en-US" dirty="0" smtClean="0"/>
+              <a:t>Add augmentations and learning rate scheduling / CLR</a:t>
+            </a:r>
+          </a:p>
+          <a:p>
+            <a:pPr marL="514350" indent="-514350">
+              <a:buFont typeface="+mj-lt"/>
+              <a:buAutoNum type="arabicPeriod"/>
+            </a:pPr>
+            <a:r>
+              <a:rPr lang="en-US" dirty="0" smtClean="0"/>
+              <a:t>Select appropriate loss</a:t>
+            </a:r>
+          </a:p>
+          <a:p>
+            <a:pPr marL="514350" indent="-514350">
+              <a:buFont typeface="+mj-lt"/>
+              <a:buAutoNum type="arabicPeriod"/>
+            </a:pPr>
+            <a:r>
+              <a:rPr lang="en-US" dirty="0" smtClean="0"/>
+              <a:t>Predict with test-time augmentations</a:t>
+            </a:r>
+          </a:p>
+          <a:p>
+            <a:pPr marL="514350" indent="-514350">
+              <a:buFont typeface="+mj-lt"/>
+              <a:buAutoNum type="arabicPeriod"/>
+            </a:pPr>
+            <a:r>
+              <a:rPr lang="en-US" dirty="0" smtClean="0"/>
+              <a:t>If you don’t have enough training data, apply </a:t>
+            </a:r>
+            <a:r>
+              <a:rPr lang="en-US" dirty="0" err="1" smtClean="0"/>
+              <a:t>pseudolabeling</a:t>
+            </a:r>
+            <a:endParaRPr lang="en-US" dirty="0" smtClean="0"/>
+          </a:p>
+          <a:p>
+            <a:pPr marL="514350" indent="-514350">
+              <a:buFont typeface="+mj-lt"/>
+              <a:buAutoNum type="arabicPeriod"/>
+            </a:pPr>
+            <a:r>
+              <a:rPr lang="en-US" smtClean="0"/>
+              <a:t>Good luck!</a:t>
+            </a:r>
+            <a:endParaRPr lang="en-US" dirty="0" smtClean="0"/>
+          </a:p>
+          <a:p>
+            <a:pPr marL="514350" indent="-514350">
+              <a:buFont typeface="+mj-lt"/>
+              <a:buAutoNum type="arabicPeriod"/>
+            </a:pPr>
+            <a:endParaRPr lang="en-US" dirty="0"/>
+          </a:p>
+        </p:txBody>
+      </p:sp>
+    </p:spTree>
+    <p:extLst>
+      <p:ext uri="{BB962C8B-B14F-4D97-AF65-F5344CB8AC3E}">
+        <p14:creationId xmlns:p14="http://schemas.microsoft.com/office/powerpoint/2010/main" val="2427094357"/>
+      </p:ext>
+    </p:extLst>
+  </p:cSld>
+  <p:clrMapOvr>
+    <a:masterClrMapping/>
+  </p:clrMapOvr>
+  <p:timing>
+    <p:tnLst>
+      <p:par>
+        <p:cTn id="1" dur="indefinite" restart="never" nodeType="tmRoot"/>
+      </p:par>
+    </p:tnLst>
+  </p:timing>
+</p:sld>
+</file>
+
+<file path=ppt/slides/slide34.xml><?xml version="1.0" encoding="utf-8"?>
+<p:sld xmlns:a="http://schemas.openxmlformats.org/drawingml/2006/main" xmlns:r="http://schemas.openxmlformats.org/officeDocument/2006/relationships" xmlns:p="http://schemas.openxmlformats.org/presentationml/2006/main">
+  <p:cSld>
+    <p:spTree>
+      <p:nvGrpSpPr>
+        <p:cNvPr id="1" name=""/>
+        <p:cNvGrpSpPr/>
+        <p:nvPr/>
+      </p:nvGrpSpPr>
+      <p:grpSpPr>
+        <a:xfrm>
+          <a:off x="0" y="0"/>
+          <a:ext cx="0" cy="0"/>
+          <a:chOff x="0" y="0"/>
+          <a:chExt cx="0" cy="0"/>
+        </a:xfrm>
+      </p:grpSpPr>
+      <p:sp>
+        <p:nvSpPr>
           <p:cNvPr id="2" name="Title 1"/>
           <p:cNvSpPr>
             <a:spLocks noGrp="1"/>
@@ -7127,8 +7238,13 @@
           <a:p>
             <a:r>
               <a:rPr lang="en-US" sz="3600" dirty="0" smtClean="0"/>
-              <a:t>How to select network architecture (size, regularization, pooling type, classifier structure)?</a:t>
-            </a:r>
+              <a:t>How to select network architecture (size, regularization, pooling type, classifier structure</a:t>
+            </a:r>
+            <a:r>
+              <a:rPr lang="en-US" sz="3600" dirty="0" smtClean="0"/>
+              <a:t>)</a:t>
+            </a:r>
+            <a:endParaRPr lang="en-US" sz="3600" dirty="0" smtClean="0"/>
           </a:p>
           <a:p>
             <a:r>
@@ -7141,14 +7257,24 @@
             </a:r>
             <a:r>
               <a:rPr lang="en-US" sz="3600" dirty="0" smtClean="0"/>
-              <a:t>, etc.)?</a:t>
-            </a:r>
-          </a:p>
-          <a:p>
+              <a:t>, etc</a:t>
+            </a:r>
             <a:r>
               <a:rPr lang="en-US" sz="3600" dirty="0" smtClean="0"/>
-              <a:t>Training on the bigger resolution.</a:t>
-            </a:r>
+              <a:t>.)</a:t>
+            </a:r>
+            <a:endParaRPr lang="en-US" sz="3600" dirty="0" smtClean="0"/>
+          </a:p>
+          <a:p>
+            <a:r>
+              <a:rPr lang="en-US" sz="3600" dirty="0" smtClean="0"/>
+              <a:t>Training on the bigger </a:t>
+            </a:r>
+            <a:r>
+              <a:rPr lang="en-US" sz="3600" dirty="0" smtClean="0"/>
+              <a:t>resolution</a:t>
+            </a:r>
+            <a:endParaRPr lang="en-US" sz="3600" dirty="0" smtClean="0"/>
           </a:p>
           <a:p>
             <a:r>
@@ -7157,8 +7283,13 @@
             </a:r>
             <a:r>
               <a:rPr lang="en-US" sz="3600" dirty="0" smtClean="0"/>
-              <a:t> of CNN.</a:t>
-            </a:r>
+              <a:t> of </a:t>
+            </a:r>
+            <a:r>
+              <a:rPr lang="en-US" sz="3600" dirty="0" smtClean="0"/>
+              <a:t>CNN</a:t>
+            </a:r>
+            <a:endParaRPr lang="en-US" sz="3600" dirty="0" smtClean="0"/>
           </a:p>
         </p:txBody>
       </p:sp>
@@ -7182,7 +7313,7 @@
 </p:sld>
 </file>
 
-<file path=ppt/slides/slide34.xml><?xml version="1.0" encoding="utf-8"?>
+<file path=ppt/slides/slide35.xml><?xml version="1.0" encoding="utf-8"?>
 <p:sld xmlns:a="http://schemas.openxmlformats.org/drawingml/2006/main" xmlns:r="http://schemas.openxmlformats.org/officeDocument/2006/relationships" xmlns:p="http://schemas.openxmlformats.org/presentationml/2006/main">
   <p:cSld>
     <p:spTree>
@@ -7371,7 +7502,153 @@
       </p:grpSpPr>
       <p:pic>
         <p:nvPicPr>
-          <p:cNvPr id="4" name="Picture 3"/>
+          <p:cNvPr id="5" name="Picture 4"/>
+          <p:cNvPicPr>
+            <a:picLocks noChangeAspect="1"/>
+          </p:cNvPicPr>
+          <p:nvPr/>
+        </p:nvPicPr>
+        <p:blipFill>
+          <a:blip r:embed="rId2">
+            <a:extLst>
+              <a:ext uri="{28A0092B-C50C-407E-A947-70E740481C1C}">
+                <a14:useLocalDpi xmlns:a14="http://schemas.microsoft.com/office/drawing/2010/main" val="0"/>
+              </a:ext>
+            </a:extLst>
+          </a:blip>
+          <a:stretch>
+            <a:fillRect/>
+          </a:stretch>
+        </p:blipFill>
+        <p:spPr>
+          <a:xfrm>
+            <a:off x="4413600" y="1825625"/>
+            <a:ext cx="7620000" cy="3810000"/>
+          </a:xfrm>
+          <a:prstGeom prst="rect">
+            <a:avLst/>
+          </a:prstGeom>
+        </p:spPr>
+      </p:pic>
+      <p:sp>
+        <p:nvSpPr>
+          <p:cNvPr id="2" name="Title 1"/>
+          <p:cNvSpPr>
+            <a:spLocks noGrp="1"/>
+          </p:cNvSpPr>
+          <p:nvPr>
+            <p:ph type="title"/>
+          </p:nvPr>
+        </p:nvSpPr>
+        <p:spPr/>
+        <p:txBody>
+          <a:bodyPr/>
+          <a:lstStyle/>
+          <a:p>
+            <a:r>
+              <a:rPr lang="en-US" dirty="0" smtClean="0"/>
+              <a:t>Exploratory data analysis</a:t>
+            </a:r>
+            <a:endParaRPr lang="en-US" dirty="0"/>
+          </a:p>
+        </p:txBody>
+      </p:sp>
+      <p:sp>
+        <p:nvSpPr>
+          <p:cNvPr id="3" name="Content Placeholder 2"/>
+          <p:cNvSpPr>
+            <a:spLocks noGrp="1"/>
+          </p:cNvSpPr>
+          <p:nvPr>
+            <p:ph idx="1"/>
+          </p:nvPr>
+        </p:nvSpPr>
+        <p:spPr>
+          <a:xfrm>
+            <a:off x="838199" y="1825625"/>
+            <a:ext cx="3860557" cy="4351338"/>
+          </a:xfrm>
+        </p:spPr>
+        <p:txBody>
+          <a:bodyPr>
+            <a:normAutofit/>
+          </a:bodyPr>
+          <a:lstStyle/>
+          <a:p>
+            <a:r>
+              <a:rPr lang="en-US" dirty="0" smtClean="0"/>
+              <a:t>Real-world images of various goods.</a:t>
+            </a:r>
+          </a:p>
+          <a:p>
+            <a:r>
+              <a:rPr lang="en-US" dirty="0" smtClean="0"/>
+              <a:t>Different occlusions, illumination, etc.</a:t>
+            </a:r>
+          </a:p>
+          <a:p>
+            <a:r>
+              <a:rPr lang="en-US" dirty="0" smtClean="0"/>
+              <a:t>Most of items are centered on the picture.</a:t>
+            </a:r>
+          </a:p>
+          <a:p>
+            <a:r>
+              <a:rPr lang="en-US" dirty="0" smtClean="0"/>
+              <a:t>There are extremely close classes.</a:t>
+            </a:r>
+            <a:endParaRPr lang="en-US" dirty="0"/>
+          </a:p>
+        </p:txBody>
+      </p:sp>
+    </p:spTree>
+    <p:extLst>
+      <p:ext uri="{BB962C8B-B14F-4D97-AF65-F5344CB8AC3E}">
+        <p14:creationId xmlns:p14="http://schemas.microsoft.com/office/powerpoint/2010/main" val="1903036322"/>
+      </p:ext>
+    </p:extLst>
+  </p:cSld>
+  <p:clrMapOvr>
+    <a:masterClrMapping/>
+  </p:clrMapOvr>
+  <mc:AlternateContent xmlns:mc="http://schemas.openxmlformats.org/markup-compatibility/2006" xmlns:p14="http://schemas.microsoft.com/office/powerpoint/2010/main">
+    <mc:Choice Requires="p14">
+      <p:transition p14:dur="0"/>
+    </mc:Choice>
+    <mc:Fallback xmlns="">
+      <p:transition/>
+    </mc:Fallback>
+  </mc:AlternateContent>
+  <p:timing>
+    <p:tnLst>
+      <p:par>
+        <p:cTn id="1" dur="indefinite" restart="never" nodeType="tmRoot"/>
+      </p:par>
+    </p:tnLst>
+  </p:timing>
+</p:sld>
+</file>
+
+<file path=ppt/slides/slide6.xml><?xml version="1.0" encoding="utf-8"?>
+<p:sld xmlns:a="http://schemas.openxmlformats.org/drawingml/2006/main" xmlns:r="http://schemas.openxmlformats.org/officeDocument/2006/relationships" xmlns:p="http://schemas.openxmlformats.org/presentationml/2006/main">
+  <p:cSld>
+    <p:spTree>
+      <p:nvGrpSpPr>
+        <p:cNvPr id="1" name=""/>
+        <p:cNvGrpSpPr/>
+        <p:nvPr/>
+      </p:nvGrpSpPr>
+      <p:grpSpPr>
+        <a:xfrm>
+          <a:off x="0" y="0"/>
+          <a:ext cx="0" cy="0"/>
+          <a:chOff x="0" y="0"/>
+          <a:chExt cx="0" cy="0"/>
+        </a:xfrm>
+      </p:grpSpPr>
+      <p:pic>
+        <p:nvPicPr>
+          <p:cNvPr id="5" name="Picture 4"/>
           <p:cNvPicPr>
             <a:picLocks noChangeAspect="1"/>
           </p:cNvPicPr>
@@ -7399,9 +7676,37 @@
           </a:prstGeom>
         </p:spPr>
       </p:pic>
+      <p:sp>
+        <p:nvSpPr>
+          <p:cNvPr id="6" name="Title 1"/>
+          <p:cNvSpPr>
+            <a:spLocks noGrp="1"/>
+          </p:cNvSpPr>
+          <p:nvPr>
+            <p:ph type="title"/>
+          </p:nvPr>
+        </p:nvSpPr>
+        <p:spPr>
+          <a:xfrm>
+            <a:off x="838200" y="365125"/>
+            <a:ext cx="10515600" cy="1325563"/>
+          </a:xfrm>
+        </p:spPr>
+        <p:txBody>
+          <a:bodyPr/>
+          <a:lstStyle/>
+          <a:p>
+            <a:r>
+              <a:rPr lang="en-US" dirty="0" smtClean="0"/>
+              <a:t>Exploratory data analysis</a:t>
+            </a:r>
+            <a:endParaRPr lang="en-US" dirty="0"/>
+          </a:p>
+        </p:txBody>
+      </p:sp>
       <p:pic>
         <p:nvPicPr>
-          <p:cNvPr id="5" name="Picture 4"/>
+          <p:cNvPr id="7" name="Picture 6"/>
           <p:cNvPicPr>
             <a:picLocks noChangeAspect="1"/>
           </p:cNvPicPr>
@@ -7421,182 +7726,35 @@
         </p:blipFill>
         <p:spPr>
           <a:xfrm>
-            <a:off x="4413738" y="1825625"/>
-            <a:ext cx="7620000" cy="3810000"/>
+            <a:off x="406400" y="2206843"/>
+            <a:ext cx="3855797" cy="3048650"/>
           </a:xfrm>
           <a:prstGeom prst="rect">
             <a:avLst/>
           </a:prstGeom>
         </p:spPr>
       </p:pic>
-      <p:sp>
-        <p:nvSpPr>
-          <p:cNvPr id="2" name="Title 1"/>
-          <p:cNvSpPr>
-            <a:spLocks noGrp="1"/>
-          </p:cNvSpPr>
-          <p:nvPr>
-            <p:ph type="title"/>
-          </p:nvPr>
-        </p:nvSpPr>
-        <p:spPr/>
-        <p:txBody>
-          <a:bodyPr/>
-          <a:lstStyle/>
-          <a:p>
-            <a:r>
-              <a:rPr lang="en-US" dirty="0" smtClean="0"/>
-              <a:t>Exploratory data analysis</a:t>
-            </a:r>
-            <a:endParaRPr lang="en-US" dirty="0"/>
-          </a:p>
-        </p:txBody>
-      </p:sp>
-      <p:sp>
-        <p:nvSpPr>
-          <p:cNvPr id="3" name="Content Placeholder 2"/>
-          <p:cNvSpPr>
-            <a:spLocks noGrp="1"/>
-          </p:cNvSpPr>
-          <p:nvPr>
-            <p:ph idx="1"/>
-          </p:nvPr>
-        </p:nvSpPr>
-        <p:spPr>
-          <a:xfrm>
-            <a:off x="838199" y="1825625"/>
-            <a:ext cx="3860557" cy="4351338"/>
-          </a:xfrm>
-        </p:spPr>
-        <p:txBody>
-          <a:bodyPr>
-            <a:normAutofit/>
-          </a:bodyPr>
-          <a:lstStyle/>
-          <a:p>
-            <a:r>
-              <a:rPr lang="en-US" dirty="0" smtClean="0"/>
-              <a:t>Real-world images of various goods.</a:t>
-            </a:r>
-          </a:p>
-          <a:p>
-            <a:r>
-              <a:rPr lang="en-US" dirty="0" smtClean="0"/>
-              <a:t>Different occlusions, illumination, etc.</a:t>
-            </a:r>
-          </a:p>
-          <a:p>
-            <a:r>
-              <a:rPr lang="en-US" dirty="0" smtClean="0"/>
-              <a:t>Most of items are centered on the picture.</a:t>
-            </a:r>
-          </a:p>
-          <a:p>
-            <a:r>
-              <a:rPr lang="en-US" dirty="0" smtClean="0"/>
-              <a:t>There are extremely close classes.</a:t>
-            </a:r>
-            <a:endParaRPr lang="en-US" dirty="0"/>
-          </a:p>
-        </p:txBody>
-      </p:sp>
     </p:spTree>
     <p:extLst>
       <p:ext uri="{BB962C8B-B14F-4D97-AF65-F5344CB8AC3E}">
-        <p14:creationId xmlns:p14="http://schemas.microsoft.com/office/powerpoint/2010/main" val="1903036322"/>
+        <p14:creationId xmlns:p14="http://schemas.microsoft.com/office/powerpoint/2010/main" val="1094432476"/>
       </p:ext>
     </p:extLst>
   </p:cSld>
   <p:clrMapOvr>
     <a:masterClrMapping/>
   </p:clrMapOvr>
-  <mc:AlternateContent xmlns:mc="http://schemas.openxmlformats.org/markup-compatibility/2006" xmlns:p14="http://schemas.microsoft.com/office/powerpoint/2010/main">
-    <mc:Choice Requires="p14">
-      <p:transition p14:dur="0"/>
-    </mc:Choice>
-    <mc:Fallback xmlns="">
-      <p:transition/>
-    </mc:Fallback>
-  </mc:AlternateContent>
   <p:timing>
     <p:tnLst>
       <p:par>
-        <p:cTn id="1" dur="indefinite" restart="never" nodeType="tmRoot">
-          <p:childTnLst>
-            <p:seq concurrent="1" nextAc="seek">
-              <p:cTn id="2" dur="indefinite" nodeType="mainSeq">
-                <p:childTnLst>
-                  <p:par>
-                    <p:cTn id="3" fill="hold">
-                      <p:stCondLst>
-                        <p:cond delay="indefinite"/>
-                      </p:stCondLst>
-                      <p:childTnLst>
-                        <p:par>
-                          <p:cTn id="4" fill="hold">
-                            <p:stCondLst>
-                              <p:cond delay="0"/>
-                            </p:stCondLst>
-                            <p:childTnLst>
-                              <p:par>
-                                <p:cTn id="5" presetID="1" presetClass="exit" presetSubtype="0" fill="hold" nodeType="clickEffect">
-                                  <p:stCondLst>
-                                    <p:cond delay="0"/>
-                                  </p:stCondLst>
-                                  <p:childTnLst>
-                                    <p:set>
-                                      <p:cBhvr>
-                                        <p:cTn id="6" dur="1" fill="hold">
-                                          <p:stCondLst>
-                                            <p:cond delay="0"/>
-                                          </p:stCondLst>
-                                        </p:cTn>
-                                        <p:tgtEl>
-                                          <p:spTgt spid="5"/>
-                                        </p:tgtEl>
-                                        <p:attrNameLst>
-                                          <p:attrName>style.visibility</p:attrName>
-                                        </p:attrNameLst>
-                                      </p:cBhvr>
-                                      <p:to>
-                                        <p:strVal val="hidden"/>
-                                      </p:to>
-                                    </p:set>
-                                  </p:childTnLst>
-                                </p:cTn>
-                              </p:par>
-                            </p:childTnLst>
-                          </p:cTn>
-                        </p:par>
-                      </p:childTnLst>
-                    </p:cTn>
-                  </p:par>
-                </p:childTnLst>
-              </p:cTn>
-              <p:prevCondLst>
-                <p:cond evt="onPrev" delay="0">
-                  <p:tgtEl>
-                    <p:sldTgt/>
-                  </p:tgtEl>
-                </p:cond>
-              </p:prevCondLst>
-              <p:nextCondLst>
-                <p:cond evt="onNext" delay="0">
-                  <p:tgtEl>
-                    <p:sldTgt/>
-                  </p:tgtEl>
-                </p:cond>
-              </p:nextCondLst>
-            </p:seq>
-          </p:childTnLst>
-        </p:cTn>
+        <p:cTn id="1" dur="indefinite" restart="never" nodeType="tmRoot"/>
       </p:par>
     </p:tnLst>
   </p:timing>
 </p:sld>
 </file>
 
-<file path=ppt/slides/slide6.xml><?xml version="1.0" encoding="utf-8"?>
+<file path=ppt/slides/slide7.xml><?xml version="1.0" encoding="utf-8"?>
 <p:sld xmlns:a="http://schemas.openxmlformats.org/drawingml/2006/main" xmlns:r="http://schemas.openxmlformats.org/officeDocument/2006/relationships" xmlns:p="http://schemas.openxmlformats.org/presentationml/2006/main">
   <p:cSld>
     <p:spTree>
@@ -7750,7 +7908,7 @@
 </p:sld>
 </file>
 
-<file path=ppt/slides/slide7.xml><?xml version="1.0" encoding="utf-8"?>
+<file path=ppt/slides/slide8.xml><?xml version="1.0" encoding="utf-8"?>
 <p:sld xmlns:a="http://schemas.openxmlformats.org/drawingml/2006/main" xmlns:r="http://schemas.openxmlformats.org/officeDocument/2006/relationships" xmlns:p="http://schemas.openxmlformats.org/presentationml/2006/main">
   <p:cSld>
     <p:spTree>
@@ -7873,7 +8031,7 @@
 </p:sld>
 </file>
 
-<file path=ppt/slides/slide8.xml><?xml version="1.0" encoding="utf-8"?>
+<file path=ppt/slides/slide9.xml><?xml version="1.0" encoding="utf-8"?>
 <p:sld xmlns:a="http://schemas.openxmlformats.org/drawingml/2006/main" xmlns:r="http://schemas.openxmlformats.org/officeDocument/2006/relationships" xmlns:p="http://schemas.openxmlformats.org/presentationml/2006/main">
   <p:cSld>
     <p:spTree>
@@ -8141,93 +8299,6 @@
     <p:extLst>
       <p:ext uri="{BB962C8B-B14F-4D97-AF65-F5344CB8AC3E}">
         <p14:creationId xmlns:p14="http://schemas.microsoft.com/office/powerpoint/2010/main" val="1033762662"/>
-      </p:ext>
-    </p:extLst>
-  </p:cSld>
-  <p:clrMapOvr>
-    <a:masterClrMapping/>
-  </p:clrMapOvr>
-  <p:timing>
-    <p:tnLst>
-      <p:par>
-        <p:cTn id="1" dur="indefinite" restart="never" nodeType="tmRoot"/>
-      </p:par>
-    </p:tnLst>
-  </p:timing>
-</p:sld>
-</file>
-
-<file path=ppt/slides/slide9.xml><?xml version="1.0" encoding="utf-8"?>
-<p:sld xmlns:a="http://schemas.openxmlformats.org/drawingml/2006/main" xmlns:r="http://schemas.openxmlformats.org/officeDocument/2006/relationships" xmlns:p="http://schemas.openxmlformats.org/presentationml/2006/main">
-  <p:cSld>
-    <p:spTree>
-      <p:nvGrpSpPr>
-        <p:cNvPr id="1" name=""/>
-        <p:cNvGrpSpPr/>
-        <p:nvPr/>
-      </p:nvGrpSpPr>
-      <p:grpSpPr>
-        <a:xfrm>
-          <a:off x="0" y="0"/>
-          <a:ext cx="0" cy="0"/>
-          <a:chOff x="0" y="0"/>
-          <a:chExt cx="0" cy="0"/>
-        </a:xfrm>
-      </p:grpSpPr>
-      <p:sp>
-        <p:nvSpPr>
-          <p:cNvPr id="4" name="Title 3"/>
-          <p:cNvSpPr>
-            <a:spLocks noGrp="1"/>
-          </p:cNvSpPr>
-          <p:nvPr>
-            <p:ph type="title"/>
-          </p:nvPr>
-        </p:nvSpPr>
-        <p:spPr/>
-        <p:txBody>
-          <a:bodyPr/>
-          <a:lstStyle/>
-          <a:p>
-            <a:r>
-              <a:rPr lang="en-US" dirty="0" smtClean="0"/>
-              <a:t>Fine-tuning pre-trained CNN</a:t>
-            </a:r>
-            <a:endParaRPr lang="en-US" dirty="0"/>
-          </a:p>
-        </p:txBody>
-      </p:sp>
-      <p:sp>
-        <p:nvSpPr>
-          <p:cNvPr id="5" name="Text Placeholder 4"/>
-          <p:cNvSpPr>
-            <a:spLocks noGrp="1"/>
-          </p:cNvSpPr>
-          <p:nvPr>
-            <p:ph type="body" idx="1"/>
-          </p:nvPr>
-        </p:nvSpPr>
-        <p:spPr/>
-        <p:txBody>
-          <a:bodyPr/>
-          <a:lstStyle/>
-          <a:p>
-            <a:r>
-              <a:rPr lang="en-US" dirty="0" smtClean="0"/>
-              <a:t>fine-</a:t>
-            </a:r>
-            <a:r>
-              <a:rPr lang="en-US" dirty="0" err="1" smtClean="0"/>
-              <a:t>tuning.ipynb</a:t>
-            </a:r>
-            <a:endParaRPr lang="en-US" dirty="0"/>
-          </a:p>
-        </p:txBody>
-      </p:sp>
-    </p:spTree>
-    <p:extLst>
-      <p:ext uri="{BB962C8B-B14F-4D97-AF65-F5344CB8AC3E}">
-        <p14:creationId xmlns:p14="http://schemas.microsoft.com/office/powerpoint/2010/main" val="49459154"/>
       </p:ext>
     </p:extLst>
   </p:cSld>

--- a/cnn-tips-and-tricks.pptx
+++ b/cnn-tips-and-tricks.pptx
@@ -277,7 +277,7 @@
           <a:p>
             <a:fld id="{A122AF52-36FB-473A-95B1-935522EDF6B5}" type="datetimeFigureOut">
               <a:rPr lang="en-US" smtClean="0"/>
-              <a:t>9/17/2018</a:t>
+              <a:t>9/18/2018</a:t>
             </a:fld>
             <a:endParaRPr lang="en-US"/>
           </a:p>
@@ -447,7 +447,7 @@
           <a:p>
             <a:fld id="{A122AF52-36FB-473A-95B1-935522EDF6B5}" type="datetimeFigureOut">
               <a:rPr lang="en-US" smtClean="0"/>
-              <a:t>9/17/2018</a:t>
+              <a:t>9/18/2018</a:t>
             </a:fld>
             <a:endParaRPr lang="en-US"/>
           </a:p>
@@ -627,7 +627,7 @@
           <a:p>
             <a:fld id="{A122AF52-36FB-473A-95B1-935522EDF6B5}" type="datetimeFigureOut">
               <a:rPr lang="en-US" smtClean="0"/>
-              <a:t>9/17/2018</a:t>
+              <a:t>9/18/2018</a:t>
             </a:fld>
             <a:endParaRPr lang="en-US"/>
           </a:p>
@@ -797,7 +797,7 @@
           <a:p>
             <a:fld id="{A122AF52-36FB-473A-95B1-935522EDF6B5}" type="datetimeFigureOut">
               <a:rPr lang="en-US" smtClean="0"/>
-              <a:t>9/17/2018</a:t>
+              <a:t>9/18/2018</a:t>
             </a:fld>
             <a:endParaRPr lang="en-US"/>
           </a:p>
@@ -1043,7 +1043,7 @@
           <a:p>
             <a:fld id="{A122AF52-36FB-473A-95B1-935522EDF6B5}" type="datetimeFigureOut">
               <a:rPr lang="en-US" smtClean="0"/>
-              <a:t>9/17/2018</a:t>
+              <a:t>9/18/2018</a:t>
             </a:fld>
             <a:endParaRPr lang="en-US"/>
           </a:p>
@@ -1275,7 +1275,7 @@
           <a:p>
             <a:fld id="{A122AF52-36FB-473A-95B1-935522EDF6B5}" type="datetimeFigureOut">
               <a:rPr lang="en-US" smtClean="0"/>
-              <a:t>9/17/2018</a:t>
+              <a:t>9/18/2018</a:t>
             </a:fld>
             <a:endParaRPr lang="en-US"/>
           </a:p>
@@ -1642,7 +1642,7 @@
           <a:p>
             <a:fld id="{A122AF52-36FB-473A-95B1-935522EDF6B5}" type="datetimeFigureOut">
               <a:rPr lang="en-US" smtClean="0"/>
-              <a:t>9/17/2018</a:t>
+              <a:t>9/18/2018</a:t>
             </a:fld>
             <a:endParaRPr lang="en-US"/>
           </a:p>
@@ -1760,7 +1760,7 @@
           <a:p>
             <a:fld id="{A122AF52-36FB-473A-95B1-935522EDF6B5}" type="datetimeFigureOut">
               <a:rPr lang="en-US" smtClean="0"/>
-              <a:t>9/17/2018</a:t>
+              <a:t>9/18/2018</a:t>
             </a:fld>
             <a:endParaRPr lang="en-US"/>
           </a:p>
@@ -1855,7 +1855,7 @@
           <a:p>
             <a:fld id="{A122AF52-36FB-473A-95B1-935522EDF6B5}" type="datetimeFigureOut">
               <a:rPr lang="en-US" smtClean="0"/>
-              <a:t>9/17/2018</a:t>
+              <a:t>9/18/2018</a:t>
             </a:fld>
             <a:endParaRPr lang="en-US"/>
           </a:p>
@@ -2132,7 +2132,7 @@
           <a:p>
             <a:fld id="{A122AF52-36FB-473A-95B1-935522EDF6B5}" type="datetimeFigureOut">
               <a:rPr lang="en-US" smtClean="0"/>
-              <a:t>9/17/2018</a:t>
+              <a:t>9/18/2018</a:t>
             </a:fld>
             <a:endParaRPr lang="en-US"/>
           </a:p>
@@ -2385,7 +2385,7 @@
           <a:p>
             <a:fld id="{A122AF52-36FB-473A-95B1-935522EDF6B5}" type="datetimeFigureOut">
               <a:rPr lang="en-US" smtClean="0"/>
-              <a:t>9/17/2018</a:t>
+              <a:t>9/18/2018</a:t>
             </a:fld>
             <a:endParaRPr lang="en-US"/>
           </a:p>
@@ -2598,7 +2598,7 @@
           <a:p>
             <a:fld id="{A122AF52-36FB-473A-95B1-935522EDF6B5}" type="datetimeFigureOut">
               <a:rPr lang="en-US" smtClean="0"/>
-              <a:t>9/17/2018</a:t>
+              <a:t>9/18/2018</a:t>
             </a:fld>
             <a:endParaRPr lang="en-US"/>
           </a:p>
@@ -4769,7 +4769,6 @@
               <a:rPr lang="en-US" dirty="0" smtClean="0"/>
               <a:t>in the source code folder</a:t>
             </a:r>
-            <a:endParaRPr lang="en-US" dirty="0" smtClean="0"/>
           </a:p>
           <a:p>
             <a:pPr marL="514350" indent="-514350">
@@ -7238,13 +7237,8 @@
           <a:p>
             <a:r>
               <a:rPr lang="en-US" sz="3600" dirty="0" smtClean="0"/>
-              <a:t>How to select network architecture (size, regularization, pooling type, classifier structure</a:t>
-            </a:r>
-            <a:r>
-              <a:rPr lang="en-US" sz="3600" dirty="0" smtClean="0"/>
-              <a:t>)</a:t>
-            </a:r>
-            <a:endParaRPr lang="en-US" sz="3600" dirty="0" smtClean="0"/>
+              <a:t>How to select network architecture (size, regularization, pooling type, classifier structure)</a:t>
+            </a:r>
           </a:p>
           <a:p>
             <a:r>
@@ -7257,24 +7251,14 @@
             </a:r>
             <a:r>
               <a:rPr lang="en-US" sz="3600" dirty="0" smtClean="0"/>
-              <a:t>, etc</a:t>
-            </a:r>
+              <a:t>, etc.)</a:t>
+            </a:r>
+          </a:p>
+          <a:p>
             <a:r>
               <a:rPr lang="en-US" sz="3600" dirty="0" smtClean="0"/>
-              <a:t>.)</a:t>
-            </a:r>
-            <a:endParaRPr lang="en-US" sz="3600" dirty="0" smtClean="0"/>
-          </a:p>
-          <a:p>
-            <a:r>
-              <a:rPr lang="en-US" sz="3600" dirty="0" smtClean="0"/>
-              <a:t>Training on the bigger </a:t>
-            </a:r>
-            <a:r>
-              <a:rPr lang="en-US" sz="3600" dirty="0" smtClean="0"/>
-              <a:t>resolution</a:t>
-            </a:r>
-            <a:endParaRPr lang="en-US" sz="3600" dirty="0" smtClean="0"/>
+              <a:t>Training on the bigger resolution</a:t>
+            </a:r>
           </a:p>
           <a:p>
             <a:r>
@@ -7283,13 +7267,8 @@
             </a:r>
             <a:r>
               <a:rPr lang="en-US" sz="3600" dirty="0" smtClean="0"/>
-              <a:t> of </a:t>
-            </a:r>
-            <a:r>
-              <a:rPr lang="en-US" sz="3600" dirty="0" smtClean="0"/>
-              <a:t>CNN</a:t>
-            </a:r>
-            <a:endParaRPr lang="en-US" sz="3600" dirty="0" smtClean="0"/>
+              <a:t> of CNN</a:t>
+            </a:r>
           </a:p>
         </p:txBody>
       </p:sp>

--- a/cnn-tips-and-tricks.pptx
+++ b/cnn-tips-and-tricks.pptx
@@ -26,20 +26,22 @@
     <p:sldId id="270" r:id="rId20"/>
     <p:sldId id="273" r:id="rId21"/>
     <p:sldId id="277" r:id="rId22"/>
-    <p:sldId id="275" r:id="rId23"/>
-    <p:sldId id="278" r:id="rId24"/>
-    <p:sldId id="279" r:id="rId25"/>
-    <p:sldId id="289" r:id="rId26"/>
-    <p:sldId id="288" r:id="rId27"/>
-    <p:sldId id="280" r:id="rId28"/>
-    <p:sldId id="281" r:id="rId29"/>
-    <p:sldId id="283" r:id="rId30"/>
-    <p:sldId id="284" r:id="rId31"/>
-    <p:sldId id="290" r:id="rId32"/>
-    <p:sldId id="282" r:id="rId33"/>
-    <p:sldId id="293" r:id="rId34"/>
-    <p:sldId id="286" r:id="rId35"/>
-    <p:sldId id="287" r:id="rId36"/>
+    <p:sldId id="295" r:id="rId23"/>
+    <p:sldId id="275" r:id="rId24"/>
+    <p:sldId id="278" r:id="rId25"/>
+    <p:sldId id="279" r:id="rId26"/>
+    <p:sldId id="289" r:id="rId27"/>
+    <p:sldId id="288" r:id="rId28"/>
+    <p:sldId id="280" r:id="rId29"/>
+    <p:sldId id="281" r:id="rId30"/>
+    <p:sldId id="283" r:id="rId31"/>
+    <p:sldId id="284" r:id="rId32"/>
+    <p:sldId id="290" r:id="rId33"/>
+    <p:sldId id="296" r:id="rId34"/>
+    <p:sldId id="282" r:id="rId35"/>
+    <p:sldId id="293" r:id="rId36"/>
+    <p:sldId id="286" r:id="rId37"/>
+    <p:sldId id="287" r:id="rId38"/>
   </p:sldIdLst>
   <p:sldSz cx="12192000" cy="6858000"/>
   <p:notesSz cx="6858000" cy="9144000"/>
@@ -5189,6 +5191,179 @@
       </p:grpSpPr>
       <p:sp>
         <p:nvSpPr>
+          <p:cNvPr id="2" name="Title 1"/>
+          <p:cNvSpPr>
+            <a:spLocks noGrp="1"/>
+          </p:cNvSpPr>
+          <p:nvPr>
+            <p:ph type="title"/>
+          </p:nvPr>
+        </p:nvSpPr>
+        <p:spPr/>
+        <p:txBody>
+          <a:bodyPr/>
+          <a:lstStyle/>
+          <a:p>
+            <a:r>
+              <a:rPr lang="en-US" dirty="0" smtClean="0"/>
+              <a:t>Snapshot ensemble</a:t>
+            </a:r>
+            <a:endParaRPr lang="en-US" dirty="0"/>
+          </a:p>
+        </p:txBody>
+      </p:sp>
+      <p:pic>
+        <p:nvPicPr>
+          <p:cNvPr id="4" name="Picture 3"/>
+          <p:cNvPicPr>
+            <a:picLocks noChangeAspect="1"/>
+          </p:cNvPicPr>
+          <p:nvPr/>
+        </p:nvPicPr>
+        <p:blipFill>
+          <a:blip r:embed="rId2" cstate="print">
+            <a:extLst>
+              <a:ext uri="{28A0092B-C50C-407E-A947-70E740481C1C}">
+                <a14:useLocalDpi xmlns:a14="http://schemas.microsoft.com/office/drawing/2010/main" val="0"/>
+              </a:ext>
+            </a:extLst>
+          </a:blip>
+          <a:stretch>
+            <a:fillRect/>
+          </a:stretch>
+        </p:blipFill>
+        <p:spPr>
+          <a:xfrm>
+            <a:off x="5692861" y="1825625"/>
+            <a:ext cx="5844058" cy="3784811"/>
+          </a:xfrm>
+          <a:prstGeom prst="rect">
+            <a:avLst/>
+          </a:prstGeom>
+        </p:spPr>
+      </p:pic>
+      <p:pic>
+        <p:nvPicPr>
+          <p:cNvPr id="5" name="Picture 4"/>
+          <p:cNvPicPr>
+            <a:picLocks noChangeAspect="1"/>
+          </p:cNvPicPr>
+          <p:nvPr/>
+        </p:nvPicPr>
+        <p:blipFill>
+          <a:blip r:embed="rId3" cstate="print">
+            <a:extLst>
+              <a:ext uri="{28A0092B-C50C-407E-A947-70E740481C1C}">
+                <a14:useLocalDpi xmlns:a14="http://schemas.microsoft.com/office/drawing/2010/main" val="0"/>
+              </a:ext>
+            </a:extLst>
+          </a:blip>
+          <a:stretch>
+            <a:fillRect/>
+          </a:stretch>
+        </p:blipFill>
+        <p:spPr>
+          <a:xfrm>
+            <a:off x="838200" y="1623102"/>
+            <a:ext cx="4854661" cy="3917436"/>
+          </a:xfrm>
+          <a:prstGeom prst="rect">
+            <a:avLst/>
+          </a:prstGeom>
+        </p:spPr>
+      </p:pic>
+      <p:sp>
+        <p:nvSpPr>
+          <p:cNvPr id="6" name="TextBox 5"/>
+          <p:cNvSpPr txBox="1"/>
+          <p:nvPr/>
+        </p:nvSpPr>
+        <p:spPr>
+          <a:xfrm>
+            <a:off x="865884" y="5864470"/>
+            <a:ext cx="4826977" cy="338554"/>
+          </a:xfrm>
+          <a:prstGeom prst="rect">
+            <a:avLst/>
+          </a:prstGeom>
+          <a:noFill/>
+        </p:spPr>
+        <p:txBody>
+          <a:bodyPr wrap="square" rtlCol="0">
+            <a:spAutoFit/>
+          </a:bodyPr>
+          <a:lstStyle/>
+          <a:p>
+            <a:pPr algn="ctr"/>
+            <a:r>
+              <a:rPr lang="en-US" sz="1600" dirty="0" smtClean="0">
+                <a:solidFill>
+                  <a:schemeClr val="bg2">
+                    <a:lumMod val="50000"/>
+                  </a:schemeClr>
+                </a:solidFill>
+              </a:rPr>
+              <a:t>Source </a:t>
+            </a:r>
+            <a:r>
+              <a:rPr lang="en-US" sz="1600" dirty="0">
+                <a:solidFill>
+                  <a:schemeClr val="bg2">
+                    <a:lumMod val="50000"/>
+                  </a:schemeClr>
+                </a:solidFill>
+              </a:rPr>
+              <a:t>- https://arxiv.org/pdf/1704.00109.pdf</a:t>
+            </a:r>
+            <a:endParaRPr lang="en-US" sz="1600" dirty="0">
+              <a:solidFill>
+                <a:schemeClr val="bg2">
+                  <a:lumMod val="50000"/>
+                </a:schemeClr>
+              </a:solidFill>
+            </a:endParaRPr>
+          </a:p>
+        </p:txBody>
+      </p:sp>
+    </p:spTree>
+    <p:extLst>
+      <p:ext uri="{BB962C8B-B14F-4D97-AF65-F5344CB8AC3E}">
+        <p14:creationId xmlns:p14="http://schemas.microsoft.com/office/powerpoint/2010/main" val="3475001700"/>
+      </p:ext>
+    </p:extLst>
+  </p:cSld>
+  <p:clrMapOvr>
+    <a:masterClrMapping/>
+  </p:clrMapOvr>
+  <p:timing>
+    <p:tnLst>
+      <p:par>
+        <p:cTn id="1" dur="indefinite" restart="never" nodeType="tmRoot"/>
+      </p:par>
+    </p:tnLst>
+  </p:timing>
+</p:sld>
+</file>
+
+<file path=ppt/slides/slide23.xml><?xml version="1.0" encoding="utf-8"?>
+<p:sld xmlns:a="http://schemas.openxmlformats.org/drawingml/2006/main" xmlns:r="http://schemas.openxmlformats.org/officeDocument/2006/relationships" xmlns:p="http://schemas.openxmlformats.org/presentationml/2006/main">
+  <p:cSld>
+    <p:spTree>
+      <p:nvGrpSpPr>
+        <p:cNvPr id="1" name=""/>
+        <p:cNvGrpSpPr/>
+        <p:nvPr/>
+      </p:nvGrpSpPr>
+      <p:grpSpPr>
+        <a:xfrm>
+          <a:off x="0" y="0"/>
+          <a:ext cx="0" cy="0"/>
+          <a:chOff x="0" y="0"/>
+          <a:chExt cx="0" cy="0"/>
+        </a:xfrm>
+      </p:grpSpPr>
+      <p:sp>
+        <p:nvSpPr>
           <p:cNvPr id="4" name="Title 3"/>
           <p:cNvSpPr>
             <a:spLocks noGrp="1"/>
@@ -5257,7 +5432,7 @@
 </p:sld>
 </file>
 
-<file path=ppt/slides/slide23.xml><?xml version="1.0" encoding="utf-8"?>
+<file path=ppt/slides/slide24.xml><?xml version="1.0" encoding="utf-8"?>
 <p:sld xmlns:a="http://schemas.openxmlformats.org/drawingml/2006/main" xmlns:r="http://schemas.openxmlformats.org/officeDocument/2006/relationships" xmlns:p="http://schemas.openxmlformats.org/presentationml/2006/main">
   <p:cSld>
     <p:spTree>
@@ -5419,7 +5594,7 @@
 </p:sld>
 </file>
 
-<file path=ppt/slides/slide24.xml><?xml version="1.0" encoding="utf-8"?>
+<file path=ppt/slides/slide25.xml><?xml version="1.0" encoding="utf-8"?>
 <p:sld xmlns:a="http://schemas.openxmlformats.org/drawingml/2006/main" xmlns:r="http://schemas.openxmlformats.org/officeDocument/2006/relationships" xmlns:p="http://schemas.openxmlformats.org/presentationml/2006/main">
   <p:cSld>
     <p:spTree>
@@ -5506,7 +5681,7 @@
 </p:sld>
 </file>
 
-<file path=ppt/slides/slide25.xml><?xml version="1.0" encoding="utf-8"?>
+<file path=ppt/slides/slide26.xml><?xml version="1.0" encoding="utf-8"?>
 <p:sld xmlns:a="http://schemas.openxmlformats.org/drawingml/2006/main" xmlns:r="http://schemas.openxmlformats.org/officeDocument/2006/relationships" xmlns:p="http://schemas.openxmlformats.org/presentationml/2006/main">
   <p:cSld>
     <p:spTree>
@@ -6032,7 +6207,7 @@
 </p:sld>
 </file>
 
-<file path=ppt/slides/slide26.xml><?xml version="1.0" encoding="utf-8"?>
+<file path=ppt/slides/slide27.xml><?xml version="1.0" encoding="utf-8"?>
 <p:sld xmlns:a="http://schemas.openxmlformats.org/drawingml/2006/main" xmlns:r="http://schemas.openxmlformats.org/officeDocument/2006/relationships" xmlns:p="http://schemas.openxmlformats.org/presentationml/2006/main">
   <p:cSld>
     <p:spTree>
@@ -6119,7 +6294,7 @@
 </p:sld>
 </file>
 
-<file path=ppt/slides/slide27.xml><?xml version="1.0" encoding="utf-8"?>
+<file path=ppt/slides/slide28.xml><?xml version="1.0" encoding="utf-8"?>
 <p:sld xmlns:a="http://schemas.openxmlformats.org/drawingml/2006/main" xmlns:r="http://schemas.openxmlformats.org/officeDocument/2006/relationships" xmlns:p="http://schemas.openxmlformats.org/presentationml/2006/main">
   <p:cSld>
     <p:spTree>
@@ -6271,7 +6446,7 @@
 </p:sld>
 </file>
 
-<file path=ppt/slides/slide28.xml><?xml version="1.0" encoding="utf-8"?>
+<file path=ppt/slides/slide29.xml><?xml version="1.0" encoding="utf-8"?>
 <p:sld xmlns:a="http://schemas.openxmlformats.org/drawingml/2006/main" xmlns:r="http://schemas.openxmlformats.org/officeDocument/2006/relationships" xmlns:p="http://schemas.openxmlformats.org/presentationml/2006/main">
   <p:cSld>
     <p:spTree>
@@ -6361,7 +6536,171 @@
 </p:sld>
 </file>
 
-<file path=ppt/slides/slide29.xml><?xml version="1.0" encoding="utf-8"?>
+<file path=ppt/slides/slide3.xml><?xml version="1.0" encoding="utf-8"?>
+<p:sld xmlns:a="http://schemas.openxmlformats.org/drawingml/2006/main" xmlns:r="http://schemas.openxmlformats.org/officeDocument/2006/relationships" xmlns:p="http://schemas.openxmlformats.org/presentationml/2006/main">
+  <p:cSld>
+    <p:spTree>
+      <p:nvGrpSpPr>
+        <p:cNvPr id="1" name=""/>
+        <p:cNvGrpSpPr/>
+        <p:nvPr/>
+      </p:nvGrpSpPr>
+      <p:grpSpPr>
+        <a:xfrm>
+          <a:off x="0" y="0"/>
+          <a:ext cx="0" cy="0"/>
+          <a:chOff x="0" y="0"/>
+          <a:chExt cx="0" cy="0"/>
+        </a:xfrm>
+      </p:grpSpPr>
+      <p:sp>
+        <p:nvSpPr>
+          <p:cNvPr id="2" name="Title 1"/>
+          <p:cNvSpPr>
+            <a:spLocks noGrp="1"/>
+          </p:cNvSpPr>
+          <p:nvPr>
+            <p:ph type="title"/>
+          </p:nvPr>
+        </p:nvSpPr>
+        <p:spPr/>
+        <p:txBody>
+          <a:bodyPr/>
+          <a:lstStyle/>
+          <a:p>
+            <a:r>
+              <a:rPr lang="en-US" dirty="0" smtClean="0"/>
+              <a:t>Agenda</a:t>
+            </a:r>
+            <a:endParaRPr lang="en-US" dirty="0"/>
+          </a:p>
+        </p:txBody>
+      </p:sp>
+      <p:sp>
+        <p:nvSpPr>
+          <p:cNvPr id="3" name="Content Placeholder 2"/>
+          <p:cNvSpPr>
+            <a:spLocks noGrp="1"/>
+          </p:cNvSpPr>
+          <p:nvPr>
+            <p:ph idx="1"/>
+          </p:nvPr>
+        </p:nvSpPr>
+        <p:spPr/>
+        <p:txBody>
+          <a:bodyPr/>
+          <a:lstStyle/>
+          <a:p>
+            <a:pPr marL="514350" indent="-514350">
+              <a:buFont typeface="+mj-lt"/>
+              <a:buAutoNum type="arabicPeriod"/>
+            </a:pPr>
+            <a:r>
+              <a:rPr lang="en-US" dirty="0" smtClean="0"/>
+              <a:t>Workshop setup</a:t>
+            </a:r>
+          </a:p>
+          <a:p>
+            <a:pPr marL="514350" indent="-514350">
+              <a:buFont typeface="+mj-lt"/>
+              <a:buAutoNum type="arabicPeriod"/>
+            </a:pPr>
+            <a:r>
+              <a:rPr lang="en-US" dirty="0" smtClean="0"/>
+              <a:t>Transfer learning</a:t>
+            </a:r>
+          </a:p>
+          <a:p>
+            <a:pPr marL="514350" indent="-514350">
+              <a:buFont typeface="+mj-lt"/>
+              <a:buAutoNum type="arabicPeriod"/>
+            </a:pPr>
+            <a:r>
+              <a:rPr lang="en-US" dirty="0" smtClean="0"/>
+              <a:t>Learning curves interpretation</a:t>
+            </a:r>
+          </a:p>
+          <a:p>
+            <a:pPr marL="514350" indent="-514350">
+              <a:buFont typeface="+mj-lt"/>
+              <a:buAutoNum type="arabicPeriod"/>
+            </a:pPr>
+            <a:r>
+              <a:rPr lang="en-US" dirty="0" smtClean="0"/>
+              <a:t>Learning rate management &amp; cyclic learning rate</a:t>
+            </a:r>
+          </a:p>
+          <a:p>
+            <a:pPr marL="514350" indent="-514350">
+              <a:buFont typeface="+mj-lt"/>
+              <a:buAutoNum type="arabicPeriod"/>
+            </a:pPr>
+            <a:r>
+              <a:rPr lang="en-US" dirty="0" smtClean="0"/>
+              <a:t>Augmentations</a:t>
+            </a:r>
+          </a:p>
+          <a:p>
+            <a:pPr marL="514350" indent="-514350">
+              <a:buFont typeface="+mj-lt"/>
+              <a:buAutoNum type="arabicPeriod"/>
+            </a:pPr>
+            <a:r>
+              <a:rPr lang="en-US" dirty="0" smtClean="0"/>
+              <a:t>Dealing with imbalanced classification</a:t>
+            </a:r>
+          </a:p>
+          <a:p>
+            <a:pPr marL="514350" indent="-514350">
+              <a:buFont typeface="+mj-lt"/>
+              <a:buAutoNum type="arabicPeriod"/>
+            </a:pPr>
+            <a:r>
+              <a:rPr lang="en-US" dirty="0" smtClean="0"/>
+              <a:t>TTA</a:t>
+            </a:r>
+          </a:p>
+          <a:p>
+            <a:pPr marL="514350" indent="-514350">
+              <a:buFont typeface="+mj-lt"/>
+              <a:buAutoNum type="arabicPeriod"/>
+            </a:pPr>
+            <a:r>
+              <a:rPr lang="en-US" dirty="0" err="1" smtClean="0"/>
+              <a:t>Pseudolabeling</a:t>
+            </a:r>
+            <a:endParaRPr lang="en-US" dirty="0" smtClean="0"/>
+          </a:p>
+          <a:p>
+            <a:pPr marL="514350" indent="-514350">
+              <a:buFont typeface="+mj-lt"/>
+              <a:buAutoNum type="arabicPeriod"/>
+            </a:pPr>
+            <a:endParaRPr lang="en-US" dirty="0"/>
+          </a:p>
+        </p:txBody>
+      </p:sp>
+    </p:spTree>
+    <p:extLst>
+      <p:ext uri="{BB962C8B-B14F-4D97-AF65-F5344CB8AC3E}">
+        <p14:creationId xmlns:p14="http://schemas.microsoft.com/office/powerpoint/2010/main" val="600455591"/>
+      </p:ext>
+    </p:extLst>
+  </p:cSld>
+  <p:clrMapOvr>
+    <a:masterClrMapping/>
+  </p:clrMapOvr>
+  <p:timing>
+    <p:tnLst>
+      <p:par>
+        <p:cTn id="1" dur="indefinite" restart="never" nodeType="tmRoot"/>
+      </p:par>
+    </p:tnLst>
+  </p:timing>
+</p:sld>
+</file>
+
+<file path=ppt/slides/slide30.xml><?xml version="1.0" encoding="utf-8"?>
 <p:sld xmlns:a="http://schemas.openxmlformats.org/drawingml/2006/main" xmlns:r="http://schemas.openxmlformats.org/officeDocument/2006/relationships" xmlns:p="http://schemas.openxmlformats.org/presentationml/2006/main">
   <p:cSld>
     <p:spTree>
@@ -6493,307 +6832,6 @@
 </p:sld>
 </file>
 
-<file path=ppt/slides/slide3.xml><?xml version="1.0" encoding="utf-8"?>
-<p:sld xmlns:a="http://schemas.openxmlformats.org/drawingml/2006/main" xmlns:r="http://schemas.openxmlformats.org/officeDocument/2006/relationships" xmlns:p="http://schemas.openxmlformats.org/presentationml/2006/main">
-  <p:cSld>
-    <p:spTree>
-      <p:nvGrpSpPr>
-        <p:cNvPr id="1" name=""/>
-        <p:cNvGrpSpPr/>
-        <p:nvPr/>
-      </p:nvGrpSpPr>
-      <p:grpSpPr>
-        <a:xfrm>
-          <a:off x="0" y="0"/>
-          <a:ext cx="0" cy="0"/>
-          <a:chOff x="0" y="0"/>
-          <a:chExt cx="0" cy="0"/>
-        </a:xfrm>
-      </p:grpSpPr>
-      <p:sp>
-        <p:nvSpPr>
-          <p:cNvPr id="2" name="Title 1"/>
-          <p:cNvSpPr>
-            <a:spLocks noGrp="1"/>
-          </p:cNvSpPr>
-          <p:nvPr>
-            <p:ph type="title"/>
-          </p:nvPr>
-        </p:nvSpPr>
-        <p:spPr/>
-        <p:txBody>
-          <a:bodyPr/>
-          <a:lstStyle/>
-          <a:p>
-            <a:r>
-              <a:rPr lang="en-US" dirty="0" smtClean="0"/>
-              <a:t>Agenda</a:t>
-            </a:r>
-            <a:endParaRPr lang="en-US" dirty="0"/>
-          </a:p>
-        </p:txBody>
-      </p:sp>
-      <p:sp>
-        <p:nvSpPr>
-          <p:cNvPr id="3" name="Content Placeholder 2"/>
-          <p:cNvSpPr>
-            <a:spLocks noGrp="1"/>
-          </p:cNvSpPr>
-          <p:nvPr>
-            <p:ph idx="1"/>
-          </p:nvPr>
-        </p:nvSpPr>
-        <p:spPr/>
-        <p:txBody>
-          <a:bodyPr/>
-          <a:lstStyle/>
-          <a:p>
-            <a:pPr marL="514350" indent="-514350">
-              <a:buFont typeface="+mj-lt"/>
-              <a:buAutoNum type="arabicPeriod"/>
-            </a:pPr>
-            <a:r>
-              <a:rPr lang="en-US" dirty="0" smtClean="0"/>
-              <a:t>Workshop setup</a:t>
-            </a:r>
-          </a:p>
-          <a:p>
-            <a:pPr marL="514350" indent="-514350">
-              <a:buFont typeface="+mj-lt"/>
-              <a:buAutoNum type="arabicPeriod"/>
-            </a:pPr>
-            <a:r>
-              <a:rPr lang="en-US" dirty="0" smtClean="0"/>
-              <a:t>Transfer learning</a:t>
-            </a:r>
-          </a:p>
-          <a:p>
-            <a:pPr marL="514350" indent="-514350">
-              <a:buFont typeface="+mj-lt"/>
-              <a:buAutoNum type="arabicPeriod"/>
-            </a:pPr>
-            <a:r>
-              <a:rPr lang="en-US" dirty="0" smtClean="0"/>
-              <a:t>Learning curves interpretation</a:t>
-            </a:r>
-          </a:p>
-          <a:p>
-            <a:pPr marL="514350" indent="-514350">
-              <a:buFont typeface="+mj-lt"/>
-              <a:buAutoNum type="arabicPeriod"/>
-            </a:pPr>
-            <a:r>
-              <a:rPr lang="en-US" dirty="0" smtClean="0"/>
-              <a:t>Learning rate management &amp; cyclic learning rate</a:t>
-            </a:r>
-          </a:p>
-          <a:p>
-            <a:pPr marL="514350" indent="-514350">
-              <a:buFont typeface="+mj-lt"/>
-              <a:buAutoNum type="arabicPeriod"/>
-            </a:pPr>
-            <a:r>
-              <a:rPr lang="en-US" dirty="0" smtClean="0"/>
-              <a:t>Augmentations</a:t>
-            </a:r>
-          </a:p>
-          <a:p>
-            <a:pPr marL="514350" indent="-514350">
-              <a:buFont typeface="+mj-lt"/>
-              <a:buAutoNum type="arabicPeriod"/>
-            </a:pPr>
-            <a:r>
-              <a:rPr lang="en-US" dirty="0" smtClean="0"/>
-              <a:t>Dealing with imbalanced classification</a:t>
-            </a:r>
-          </a:p>
-          <a:p>
-            <a:pPr marL="514350" indent="-514350">
-              <a:buFont typeface="+mj-lt"/>
-              <a:buAutoNum type="arabicPeriod"/>
-            </a:pPr>
-            <a:r>
-              <a:rPr lang="en-US" dirty="0" smtClean="0"/>
-              <a:t>TTA</a:t>
-            </a:r>
-          </a:p>
-          <a:p>
-            <a:pPr marL="514350" indent="-514350">
-              <a:buFont typeface="+mj-lt"/>
-              <a:buAutoNum type="arabicPeriod"/>
-            </a:pPr>
-            <a:r>
-              <a:rPr lang="en-US" dirty="0" err="1" smtClean="0"/>
-              <a:t>Pseudolabeling</a:t>
-            </a:r>
-            <a:endParaRPr lang="en-US" dirty="0" smtClean="0"/>
-          </a:p>
-          <a:p>
-            <a:pPr marL="514350" indent="-514350">
-              <a:buFont typeface="+mj-lt"/>
-              <a:buAutoNum type="arabicPeriod"/>
-            </a:pPr>
-            <a:endParaRPr lang="en-US" dirty="0"/>
-          </a:p>
-        </p:txBody>
-      </p:sp>
-    </p:spTree>
-    <p:extLst>
-      <p:ext uri="{BB962C8B-B14F-4D97-AF65-F5344CB8AC3E}">
-        <p14:creationId xmlns:p14="http://schemas.microsoft.com/office/powerpoint/2010/main" val="600455591"/>
-      </p:ext>
-    </p:extLst>
-  </p:cSld>
-  <p:clrMapOvr>
-    <a:masterClrMapping/>
-  </p:clrMapOvr>
-  <p:timing>
-    <p:tnLst>
-      <p:par>
-        <p:cTn id="1" dur="indefinite" restart="never" nodeType="tmRoot"/>
-      </p:par>
-    </p:tnLst>
-  </p:timing>
-</p:sld>
-</file>
-
-<file path=ppt/slides/slide30.xml><?xml version="1.0" encoding="utf-8"?>
-<p:sld xmlns:a="http://schemas.openxmlformats.org/drawingml/2006/main" xmlns:r="http://schemas.openxmlformats.org/officeDocument/2006/relationships" xmlns:p="http://schemas.openxmlformats.org/presentationml/2006/main">
-  <p:cSld>
-    <p:spTree>
-      <p:nvGrpSpPr>
-        <p:cNvPr id="1" name=""/>
-        <p:cNvGrpSpPr/>
-        <p:nvPr/>
-      </p:nvGrpSpPr>
-      <p:grpSpPr>
-        <a:xfrm>
-          <a:off x="0" y="0"/>
-          <a:ext cx="0" cy="0"/>
-          <a:chOff x="0" y="0"/>
-          <a:chExt cx="0" cy="0"/>
-        </a:xfrm>
-      </p:grpSpPr>
-      <p:sp>
-        <p:nvSpPr>
-          <p:cNvPr id="2" name="Title 1"/>
-          <p:cNvSpPr>
-            <a:spLocks noGrp="1"/>
-          </p:cNvSpPr>
-          <p:nvPr>
-            <p:ph type="title"/>
-          </p:nvPr>
-        </p:nvSpPr>
-        <p:spPr/>
-        <p:txBody>
-          <a:bodyPr/>
-          <a:lstStyle/>
-          <a:p>
-            <a:r>
-              <a:rPr lang="en-US" dirty="0" err="1" smtClean="0"/>
-              <a:t>Pseudolabeling</a:t>
-            </a:r>
-            <a:endParaRPr lang="en-US" dirty="0"/>
-          </a:p>
-        </p:txBody>
-      </p:sp>
-      <p:sp>
-        <p:nvSpPr>
-          <p:cNvPr id="5" name="Content Placeholder 4"/>
-          <p:cNvSpPr>
-            <a:spLocks noGrp="1"/>
-          </p:cNvSpPr>
-          <p:nvPr>
-            <p:ph idx="1"/>
-          </p:nvPr>
-        </p:nvSpPr>
-        <p:spPr/>
-        <p:txBody>
-          <a:bodyPr>
-            <a:normAutofit/>
-          </a:bodyPr>
-          <a:lstStyle/>
-          <a:p>
-            <a:pPr marL="514350" indent="-514350">
-              <a:buFont typeface="+mj-lt"/>
-              <a:buAutoNum type="arabicPeriod"/>
-            </a:pPr>
-            <a:r>
-              <a:rPr lang="en-US" sz="3200" dirty="0" smtClean="0"/>
-              <a:t>Train classifier on the initial training set.</a:t>
-            </a:r>
-          </a:p>
-          <a:p>
-            <a:pPr marL="514350" indent="-514350">
-              <a:buFont typeface="+mj-lt"/>
-              <a:buAutoNum type="arabicPeriod"/>
-            </a:pPr>
-            <a:r>
-              <a:rPr lang="en-US" sz="3200" dirty="0" smtClean="0"/>
-              <a:t>Predict validation / test set with your classifier.</a:t>
-            </a:r>
-          </a:p>
-          <a:p>
-            <a:pPr marL="514350" indent="-514350">
-              <a:buFont typeface="+mj-lt"/>
-              <a:buAutoNum type="arabicPeriod"/>
-            </a:pPr>
-            <a:r>
-              <a:rPr lang="en-US" sz="3200" dirty="0" smtClean="0"/>
-              <a:t>Optional: remove images with low-confidence labels.</a:t>
-            </a:r>
-          </a:p>
-          <a:p>
-            <a:pPr marL="514350" indent="-514350">
-              <a:buFont typeface="+mj-lt"/>
-              <a:buAutoNum type="arabicPeriod"/>
-            </a:pPr>
-            <a:r>
-              <a:rPr lang="en-US" sz="3200" dirty="0" smtClean="0"/>
-              <a:t>Add </a:t>
-            </a:r>
-            <a:r>
-              <a:rPr lang="en-US" sz="3200" dirty="0" err="1" smtClean="0"/>
-              <a:t>pseudolabeled</a:t>
-            </a:r>
-            <a:r>
-              <a:rPr lang="en-US" sz="3200" dirty="0" smtClean="0"/>
-              <a:t> data to your training set.</a:t>
-            </a:r>
-          </a:p>
-          <a:p>
-            <a:pPr marL="514350" indent="-514350">
-              <a:buFont typeface="+mj-lt"/>
-              <a:buAutoNum type="arabicPeriod"/>
-            </a:pPr>
-            <a:r>
-              <a:rPr lang="en-US" sz="3200" dirty="0" smtClean="0"/>
-              <a:t>Use it to train CNN from scratch (some kind of a warmup) or to refine your previous classifier.</a:t>
-            </a:r>
-            <a:endParaRPr lang="en-US" sz="3200" dirty="0"/>
-          </a:p>
-        </p:txBody>
-      </p:sp>
-    </p:spTree>
-    <p:extLst>
-      <p:ext uri="{BB962C8B-B14F-4D97-AF65-F5344CB8AC3E}">
-        <p14:creationId xmlns:p14="http://schemas.microsoft.com/office/powerpoint/2010/main" val="3586073535"/>
-      </p:ext>
-    </p:extLst>
-  </p:cSld>
-  <p:clrMapOvr>
-    <a:masterClrMapping/>
-  </p:clrMapOvr>
-  <p:timing>
-    <p:tnLst>
-      <p:par>
-        <p:cTn id="1" dur="indefinite" restart="never" nodeType="tmRoot"/>
-      </p:par>
-    </p:tnLst>
-  </p:timing>
-</p:sld>
-</file>
-
 <file path=ppt/slides/slide31.xml><?xml version="1.0" encoding="utf-8"?>
 <p:sld xmlns:a="http://schemas.openxmlformats.org/drawingml/2006/main" xmlns:r="http://schemas.openxmlformats.org/officeDocument/2006/relationships" xmlns:p="http://schemas.openxmlformats.org/presentationml/2006/main">
   <p:cSld>
@@ -6830,14 +6868,6 @@
               <a:rPr lang="en-US" dirty="0" err="1" smtClean="0"/>
               <a:t>Pseudolabeling</a:t>
             </a:r>
-            <a:r>
-              <a:rPr lang="en-US" dirty="0"/>
-              <a:t> </a:t>
-            </a:r>
-            <a:r>
-              <a:rPr lang="en-US" dirty="0" smtClean="0"/>
-              <a:t>constraints</a:t>
-            </a:r>
             <a:endParaRPr lang="en-US" dirty="0"/>
           </a:p>
         </p:txBody>
@@ -6852,57 +6882,55 @@
             <p:ph idx="1"/>
           </p:nvPr>
         </p:nvSpPr>
-        <p:spPr/>
+        <p:spPr>
+          <a:xfrm>
+            <a:off x="838200" y="1825625"/>
+            <a:ext cx="6186854" cy="4351338"/>
+          </a:xfrm>
+        </p:spPr>
         <p:txBody>
           <a:bodyPr>
-            <a:normAutofit/>
+            <a:normAutofit fontScale="92500" lnSpcReduction="20000"/>
           </a:bodyPr>
           <a:lstStyle/>
           <a:p>
-            <a:pPr marL="514350" indent="-514350">
+            <a:pPr marL="514350" indent="-514350" algn="just">
               <a:buFont typeface="+mj-lt"/>
               <a:buAutoNum type="arabicPeriod"/>
             </a:pPr>
             <a:r>
               <a:rPr lang="en-US" sz="3200" dirty="0" smtClean="0"/>
-              <a:t>Test dataset has reasonable size (at least comparable to the training set).</a:t>
-            </a:r>
-            <a:endParaRPr lang="en-US" sz="2400" dirty="0" smtClean="0"/>
-          </a:p>
-          <a:p>
-            <a:pPr marL="514350" indent="-514350">
+              <a:t>Train classifier on the initial training set.</a:t>
+            </a:r>
+          </a:p>
+          <a:p>
+            <a:pPr marL="514350" indent="-514350" algn="just">
               <a:buFont typeface="+mj-lt"/>
               <a:buAutoNum type="arabicPeriod"/>
             </a:pPr>
             <a:r>
               <a:rPr lang="en-US" sz="3200" dirty="0" smtClean="0"/>
-              <a:t>Network which is trained on </a:t>
-            </a:r>
-            <a:r>
-              <a:rPr lang="en-US" sz="3200" dirty="0" err="1" smtClean="0"/>
-              <a:t>pseudolabels</a:t>
-            </a:r>
-            <a:r>
-              <a:rPr lang="en-US" sz="3200" dirty="0" smtClean="0"/>
-              <a:t> is deep enough (especially when </a:t>
-            </a:r>
-            <a:r>
-              <a:rPr lang="en-US" sz="3200" dirty="0" err="1" smtClean="0"/>
-              <a:t>pseudolabels</a:t>
-            </a:r>
-            <a:r>
-              <a:rPr lang="en-US" sz="3200" dirty="0" smtClean="0"/>
-              <a:t> are generated by an ensemble of models).</a:t>
-            </a:r>
-          </a:p>
-          <a:p>
-            <a:pPr marL="514350" indent="-514350">
+              <a:t>Predict validation / test set with your classifier.</a:t>
+            </a:r>
+          </a:p>
+          <a:p>
+            <a:pPr marL="514350" indent="-514350" algn="just">
               <a:buFont typeface="+mj-lt"/>
               <a:buAutoNum type="arabicPeriod"/>
             </a:pPr>
             <a:r>
               <a:rPr lang="en-US" sz="3200" dirty="0" smtClean="0"/>
-              <a:t>Training data and </a:t>
+              <a:t>Optional: remove images with low-confidence labels.</a:t>
+            </a:r>
+          </a:p>
+          <a:p>
+            <a:pPr marL="514350" indent="-514350" algn="just">
+              <a:buFont typeface="+mj-lt"/>
+              <a:buAutoNum type="arabicPeriod"/>
+            </a:pPr>
+            <a:r>
+              <a:rPr lang="en-US" sz="3200" dirty="0" smtClean="0"/>
+              <a:t>Add </a:t>
             </a:r>
             <a:r>
               <a:rPr lang="en-US" sz="3200" dirty="0" err="1" smtClean="0"/>
@@ -6910,16 +6938,129 @@
             </a:r>
             <a:r>
               <a:rPr lang="en-US" sz="3200" dirty="0" smtClean="0"/>
-              <a:t> data are mixed in 1:2 – 1:4 proportions respectively.</a:t>
+              <a:t> data to your training set.</a:t>
+            </a:r>
+          </a:p>
+          <a:p>
+            <a:pPr marL="514350" indent="-514350" algn="just">
+              <a:buFont typeface="+mj-lt"/>
+              <a:buAutoNum type="arabicPeriod"/>
+            </a:pPr>
+            <a:r>
+              <a:rPr lang="en-US" sz="3200" dirty="0" smtClean="0"/>
+              <a:t>Use it to train CNN from scratch (some kind of a warmup) or to refine your previous classifier.</a:t>
             </a:r>
             <a:endParaRPr lang="en-US" sz="3200" dirty="0"/>
+          </a:p>
+        </p:txBody>
+      </p:sp>
+      <p:pic>
+        <p:nvPicPr>
+          <p:cNvPr id="3" name="Picture 2"/>
+          <p:cNvPicPr>
+            <a:picLocks noChangeAspect="1"/>
+          </p:cNvPicPr>
+          <p:nvPr/>
+        </p:nvPicPr>
+        <p:blipFill>
+          <a:blip r:embed="rId2">
+            <a:extLst>
+              <a:ext uri="{28A0092B-C50C-407E-A947-70E740481C1C}">
+                <a14:useLocalDpi xmlns:a14="http://schemas.microsoft.com/office/drawing/2010/main" val="0"/>
+              </a:ext>
+            </a:extLst>
+          </a:blip>
+          <a:stretch>
+            <a:fillRect/>
+          </a:stretch>
+        </p:blipFill>
+        <p:spPr>
+          <a:xfrm>
+            <a:off x="7729601" y="743317"/>
+            <a:ext cx="3624199" cy="5433645"/>
+          </a:xfrm>
+          <a:prstGeom prst="rect">
+            <a:avLst/>
+          </a:prstGeom>
+          <a:ln>
+            <a:noFill/>
+          </a:ln>
+          <a:effectLst>
+            <a:outerShdw blurRad="190500" algn="tl" rotWithShape="0">
+              <a:srgbClr val="000000">
+                <a:alpha val="70000"/>
+              </a:srgbClr>
+            </a:outerShdw>
+          </a:effectLst>
+        </p:spPr>
+      </p:pic>
+      <p:sp>
+        <p:nvSpPr>
+          <p:cNvPr id="6" name="TextBox 5"/>
+          <p:cNvSpPr txBox="1"/>
+          <p:nvPr/>
+        </p:nvSpPr>
+        <p:spPr>
+          <a:xfrm>
+            <a:off x="7128211" y="6385878"/>
+            <a:ext cx="4826977" cy="461665"/>
+          </a:xfrm>
+          <a:prstGeom prst="rect">
+            <a:avLst/>
+          </a:prstGeom>
+          <a:noFill/>
+        </p:spPr>
+        <p:txBody>
+          <a:bodyPr wrap="square" rtlCol="0">
+            <a:spAutoFit/>
+          </a:bodyPr>
+          <a:lstStyle/>
+          <a:p>
+            <a:pPr algn="ctr"/>
+            <a:r>
+              <a:rPr lang="en-US" sz="1200" dirty="0" smtClean="0">
+                <a:solidFill>
+                  <a:schemeClr val="bg2">
+                    <a:lumMod val="50000"/>
+                  </a:schemeClr>
+                </a:solidFill>
+              </a:rPr>
+              <a:t>Source </a:t>
+            </a:r>
+            <a:r>
+              <a:rPr lang="en-US" sz="1200" dirty="0">
+                <a:solidFill>
+                  <a:schemeClr val="bg2">
+                    <a:lumMod val="50000"/>
+                  </a:schemeClr>
+                </a:solidFill>
+              </a:rPr>
+              <a:t>- </a:t>
+            </a:r>
+            <a:r>
+              <a:rPr lang="en-US" sz="1200" dirty="0" smtClean="0">
+                <a:solidFill>
+                  <a:schemeClr val="bg2">
+                    <a:lumMod val="50000"/>
+                  </a:schemeClr>
+                </a:solidFill>
+              </a:rPr>
+              <a:t>https://www.analyticsvidhya.com/blog/2017/09/pseudo-labelling-semi-supervised-learning-technique/</a:t>
+            </a:r>
+            <a:endParaRPr lang="en-US" sz="1200" dirty="0">
+              <a:solidFill>
+                <a:schemeClr val="bg2">
+                  <a:lumMod val="50000"/>
+                </a:schemeClr>
+              </a:solidFill>
+            </a:endParaRPr>
           </a:p>
         </p:txBody>
       </p:sp>
     </p:spTree>
     <p:extLst>
       <p:ext uri="{BB962C8B-B14F-4D97-AF65-F5344CB8AC3E}">
-        <p14:creationId xmlns:p14="http://schemas.microsoft.com/office/powerpoint/2010/main" val="2934982308"/>
+        <p14:creationId xmlns:p14="http://schemas.microsoft.com/office/powerpoint/2010/main" val="3586073535"/>
       </p:ext>
     </p:extLst>
   </p:cSld>
@@ -6972,37 +7113,96 @@
               <a:rPr lang="en-US" dirty="0" err="1" smtClean="0"/>
               <a:t>Pseudolabeling</a:t>
             </a:r>
+            <a:r>
+              <a:rPr lang="en-US" dirty="0"/>
+              <a:t> </a:t>
+            </a:r>
+            <a:r>
+              <a:rPr lang="en-US" dirty="0" smtClean="0"/>
+              <a:t>constraints</a:t>
+            </a:r>
             <a:endParaRPr lang="en-US" dirty="0"/>
           </a:p>
         </p:txBody>
       </p:sp>
       <p:sp>
         <p:nvSpPr>
-          <p:cNvPr id="4" name="Text Placeholder 5"/>
-          <p:cNvSpPr>
-            <a:spLocks noGrp="1"/>
-          </p:cNvSpPr>
-          <p:nvPr>
-            <p:ph type="body" idx="1"/>
-          </p:nvPr>
-        </p:nvSpPr>
-        <p:spPr/>
-        <p:txBody>
-          <a:bodyPr/>
-          <a:lstStyle/>
-          <a:p>
-            <a:r>
-              <a:rPr lang="en-US" dirty="0" err="1" smtClean="0"/>
-              <a:t>pseudolabeling.ipynb</a:t>
-            </a:r>
-            <a:endParaRPr lang="en-US" dirty="0"/>
+          <p:cNvPr id="5" name="Content Placeholder 4"/>
+          <p:cNvSpPr>
+            <a:spLocks noGrp="1"/>
+          </p:cNvSpPr>
+          <p:nvPr>
+            <p:ph idx="1"/>
+          </p:nvPr>
+        </p:nvSpPr>
+        <p:spPr/>
+        <p:txBody>
+          <a:bodyPr>
+            <a:normAutofit/>
+          </a:bodyPr>
+          <a:lstStyle/>
+          <a:p>
+            <a:pPr marL="514350" indent="-514350">
+              <a:buFont typeface="+mj-lt"/>
+              <a:buAutoNum type="arabicPeriod"/>
+            </a:pPr>
+            <a:r>
+              <a:rPr lang="en-US" sz="3200" dirty="0" smtClean="0"/>
+              <a:t>Test dataset has reasonable size (at least comparable to the training set).</a:t>
+            </a:r>
+            <a:endParaRPr lang="en-US" sz="2400" dirty="0" smtClean="0"/>
+          </a:p>
+          <a:p>
+            <a:pPr marL="514350" indent="-514350">
+              <a:buFont typeface="+mj-lt"/>
+              <a:buAutoNum type="arabicPeriod"/>
+            </a:pPr>
+            <a:r>
+              <a:rPr lang="en-US" sz="3200" dirty="0" smtClean="0"/>
+              <a:t>Network which is trained on </a:t>
+            </a:r>
+            <a:r>
+              <a:rPr lang="en-US" sz="3200" dirty="0" err="1" smtClean="0"/>
+              <a:t>pseudolabels</a:t>
+            </a:r>
+            <a:r>
+              <a:rPr lang="en-US" sz="3200" dirty="0" smtClean="0"/>
+              <a:t> is deep enough (especially when </a:t>
+            </a:r>
+            <a:r>
+              <a:rPr lang="en-US" sz="3200" dirty="0" err="1" smtClean="0"/>
+              <a:t>pseudolabels</a:t>
+            </a:r>
+            <a:r>
+              <a:rPr lang="en-US" sz="3200" dirty="0" smtClean="0"/>
+              <a:t> are generated by an ensemble of models).</a:t>
+            </a:r>
+          </a:p>
+          <a:p>
+            <a:pPr marL="514350" indent="-514350">
+              <a:buFont typeface="+mj-lt"/>
+              <a:buAutoNum type="arabicPeriod"/>
+            </a:pPr>
+            <a:r>
+              <a:rPr lang="en-US" sz="3200" dirty="0" smtClean="0"/>
+              <a:t>Training data and </a:t>
+            </a:r>
+            <a:r>
+              <a:rPr lang="en-US" sz="3200" dirty="0" err="1" smtClean="0"/>
+              <a:t>pseudolabeled</a:t>
+            </a:r>
+            <a:r>
+              <a:rPr lang="en-US" sz="3200" dirty="0" smtClean="0"/>
+              <a:t> data are mixed in 1:2 – 1:4 proportions respectively.</a:t>
+            </a:r>
+            <a:endParaRPr lang="en-US" sz="3200" dirty="0"/>
           </a:p>
         </p:txBody>
       </p:sp>
     </p:spTree>
     <p:extLst>
       <p:ext uri="{BB962C8B-B14F-4D97-AF65-F5344CB8AC3E}">
-        <p14:creationId xmlns:p14="http://schemas.microsoft.com/office/powerpoint/2010/main" val="1078916155"/>
+        <p14:creationId xmlns:p14="http://schemas.microsoft.com/office/powerpoint/2010/main" val="2934982308"/>
       </p:ext>
     </p:extLst>
   </p:cSld>
@@ -7038,7 +7238,7 @@
       </p:grpSpPr>
       <p:sp>
         <p:nvSpPr>
-          <p:cNvPr id="4" name="Title 3"/>
+          <p:cNvPr id="2" name="Title 1"/>
           <p:cNvSpPr>
             <a:spLocks noGrp="1"/>
           </p:cNvSpPr>
@@ -7053,107 +7253,119 @@
           <a:p>
             <a:r>
               <a:rPr lang="en-US" dirty="0" smtClean="0"/>
-              <a:t>Summary</a:t>
-            </a:r>
-            <a:endParaRPr lang="en-US" dirty="0"/>
-          </a:p>
-        </p:txBody>
-      </p:sp>
-      <p:sp>
-        <p:nvSpPr>
-          <p:cNvPr id="5" name="Content Placeholder 4"/>
-          <p:cNvSpPr>
-            <a:spLocks noGrp="1"/>
-          </p:cNvSpPr>
-          <p:nvPr>
-            <p:ph idx="1"/>
-          </p:nvPr>
-        </p:nvSpPr>
-        <p:spPr/>
-        <p:txBody>
-          <a:bodyPr/>
-          <a:lstStyle/>
-          <a:p>
-            <a:pPr marL="514350" indent="-514350">
-              <a:buFont typeface="+mj-lt"/>
-              <a:buAutoNum type="arabicPeriod"/>
-            </a:pPr>
-            <a:r>
-              <a:rPr lang="en-US" dirty="0" smtClean="0"/>
-              <a:t>Train network’s head</a:t>
-            </a:r>
-          </a:p>
-          <a:p>
-            <a:pPr marL="514350" indent="-514350">
-              <a:buFont typeface="+mj-lt"/>
-              <a:buAutoNum type="arabicPeriod"/>
-            </a:pPr>
-            <a:r>
-              <a:rPr lang="en-US" dirty="0" smtClean="0"/>
-              <a:t>Add head to the convolutional part</a:t>
-            </a:r>
-          </a:p>
-          <a:p>
-            <a:pPr marL="514350" indent="-514350">
-              <a:buFont typeface="+mj-lt"/>
-              <a:buAutoNum type="arabicPeriod"/>
-            </a:pPr>
-            <a:r>
-              <a:rPr lang="en-US" dirty="0" smtClean="0"/>
-              <a:t>Add augmentations and learning rate scheduling / CLR</a:t>
-            </a:r>
-          </a:p>
-          <a:p>
-            <a:pPr marL="514350" indent="-514350">
-              <a:buFont typeface="+mj-lt"/>
-              <a:buAutoNum type="arabicPeriod"/>
-            </a:pPr>
-            <a:r>
-              <a:rPr lang="en-US" dirty="0" smtClean="0"/>
-              <a:t>Select appropriate loss</a:t>
-            </a:r>
-          </a:p>
-          <a:p>
-            <a:pPr marL="514350" indent="-514350">
-              <a:buFont typeface="+mj-lt"/>
-              <a:buAutoNum type="arabicPeriod"/>
-            </a:pPr>
-            <a:r>
-              <a:rPr lang="en-US" dirty="0" smtClean="0"/>
-              <a:t>Predict with test-time augmentations</a:t>
-            </a:r>
-          </a:p>
-          <a:p>
-            <a:pPr marL="514350" indent="-514350">
-              <a:buFont typeface="+mj-lt"/>
-              <a:buAutoNum type="arabicPeriod"/>
-            </a:pPr>
-            <a:r>
-              <a:rPr lang="en-US" dirty="0" smtClean="0"/>
-              <a:t>If you don’t have enough training data, apply </a:t>
+              <a:t>Using </a:t>
             </a:r>
             <a:r>
               <a:rPr lang="en-US" dirty="0" err="1" smtClean="0"/>
               <a:t>pseudolabeling</a:t>
             </a:r>
-            <a:endParaRPr lang="en-US" dirty="0" smtClean="0"/>
-          </a:p>
-          <a:p>
-            <a:pPr marL="514350" indent="-514350">
-              <a:buFont typeface="+mj-lt"/>
-              <a:buAutoNum type="arabicPeriod"/>
+            <a:endParaRPr lang="en-US" dirty="0"/>
+          </a:p>
+        </p:txBody>
+      </p:sp>
+      <p:sp>
+        <p:nvSpPr>
+          <p:cNvPr id="3" name="Content Placeholder 2"/>
+          <p:cNvSpPr>
+            <a:spLocks noGrp="1"/>
+          </p:cNvSpPr>
+          <p:nvPr>
+            <p:ph idx="1"/>
+          </p:nvPr>
+        </p:nvSpPr>
+        <p:spPr/>
+        <p:txBody>
+          <a:bodyPr/>
+          <a:lstStyle/>
+          <a:p>
+            <a:pPr marL="0" indent="0">
+              <a:buNone/>
             </a:pPr>
             <a:r>
-              <a:rPr lang="en-US" smtClean="0"/>
-              <a:t>Good luck!</a:t>
-            </a:r>
-            <a:endParaRPr lang="en-US" dirty="0" smtClean="0"/>
-          </a:p>
-          <a:p>
-            <a:pPr marL="514350" indent="-514350">
-              <a:buFont typeface="+mj-lt"/>
-              <a:buAutoNum type="arabicPeriod"/>
+              <a:rPr lang="en-US" dirty="0" smtClean="0"/>
+              <a:t>In competitions:</a:t>
+            </a:r>
+          </a:p>
+          <a:p>
+            <a:pPr>
+              <a:buFontTx/>
+              <a:buChar char="-"/>
             </a:pPr>
+            <a:r>
+              <a:rPr lang="en-US" dirty="0" smtClean="0"/>
+              <a:t>Label test set with your ensemble;</a:t>
+            </a:r>
+          </a:p>
+          <a:p>
+            <a:pPr>
+              <a:buFontTx/>
+              <a:buChar char="-"/>
+            </a:pPr>
+            <a:r>
+              <a:rPr lang="en-US" dirty="0"/>
+              <a:t>T</a:t>
+            </a:r>
+            <a:r>
+              <a:rPr lang="en-US" dirty="0" smtClean="0"/>
+              <a:t>rain new model;</a:t>
+            </a:r>
+          </a:p>
+          <a:p>
+            <a:pPr>
+              <a:buFontTx/>
+              <a:buChar char="-"/>
+            </a:pPr>
+            <a:r>
+              <a:rPr lang="en-US" dirty="0" smtClean="0"/>
+              <a:t>Add it to the final ensemble.</a:t>
+            </a:r>
+          </a:p>
+          <a:p>
+            <a:pPr marL="0" indent="0">
+              <a:buNone/>
+            </a:pPr>
+            <a:r>
+              <a:rPr lang="en-US" dirty="0" smtClean="0"/>
+              <a:t>In production:</a:t>
+            </a:r>
+          </a:p>
+          <a:p>
+            <a:pPr>
+              <a:buFontTx/>
+              <a:buChar char="-"/>
+            </a:pPr>
+            <a:r>
+              <a:rPr lang="en-US" dirty="0" smtClean="0"/>
+              <a:t>Collect as much data as possible (both labeled and unlabeled);</a:t>
+            </a:r>
+          </a:p>
+          <a:p>
+            <a:pPr>
+              <a:buFontTx/>
+              <a:buChar char="-"/>
+            </a:pPr>
+            <a:r>
+              <a:rPr lang="en-US" dirty="0" smtClean="0"/>
+              <a:t>Train model on labeled data;</a:t>
+            </a:r>
+          </a:p>
+          <a:p>
+            <a:pPr>
+              <a:buFontTx/>
+              <a:buChar char="-"/>
+            </a:pPr>
+            <a:r>
+              <a:rPr lang="en-US" dirty="0" smtClean="0"/>
+              <a:t>Apply </a:t>
+            </a:r>
+            <a:r>
+              <a:rPr lang="en-US" dirty="0" err="1" smtClean="0"/>
+              <a:t>pseudolabeling</a:t>
+            </a:r>
+            <a:r>
+              <a:rPr lang="en-US" dirty="0" smtClean="0"/>
+              <a:t>.</a:t>
+            </a:r>
             <a:endParaRPr lang="en-US" dirty="0"/>
           </a:p>
         </p:txBody>
@@ -7161,7 +7373,7 @@
     </p:spTree>
     <p:extLst>
       <p:ext uri="{BB962C8B-B14F-4D97-AF65-F5344CB8AC3E}">
-        <p14:creationId xmlns:p14="http://schemas.microsoft.com/office/powerpoint/2010/main" val="2427094357"/>
+        <p14:creationId xmlns:p14="http://schemas.microsoft.com/office/powerpoint/2010/main" val="3636984874"/>
       </p:ext>
     </p:extLst>
   </p:cSld>
@@ -7211,6 +7423,248 @@
           <a:lstStyle/>
           <a:p>
             <a:r>
+              <a:rPr lang="en-US" dirty="0" err="1" smtClean="0"/>
+              <a:t>Pseudolabeling</a:t>
+            </a:r>
+            <a:endParaRPr lang="en-US" dirty="0"/>
+          </a:p>
+        </p:txBody>
+      </p:sp>
+      <p:sp>
+        <p:nvSpPr>
+          <p:cNvPr id="4" name="Text Placeholder 5"/>
+          <p:cNvSpPr>
+            <a:spLocks noGrp="1"/>
+          </p:cNvSpPr>
+          <p:nvPr>
+            <p:ph type="body" idx="1"/>
+          </p:nvPr>
+        </p:nvSpPr>
+        <p:spPr/>
+        <p:txBody>
+          <a:bodyPr/>
+          <a:lstStyle/>
+          <a:p>
+            <a:r>
+              <a:rPr lang="en-US" dirty="0" err="1" smtClean="0"/>
+              <a:t>pseudolabeling.ipynb</a:t>
+            </a:r>
+            <a:endParaRPr lang="en-US" dirty="0"/>
+          </a:p>
+        </p:txBody>
+      </p:sp>
+    </p:spTree>
+    <p:extLst>
+      <p:ext uri="{BB962C8B-B14F-4D97-AF65-F5344CB8AC3E}">
+        <p14:creationId xmlns:p14="http://schemas.microsoft.com/office/powerpoint/2010/main" val="1078916155"/>
+      </p:ext>
+    </p:extLst>
+  </p:cSld>
+  <p:clrMapOvr>
+    <a:masterClrMapping/>
+  </p:clrMapOvr>
+  <p:timing>
+    <p:tnLst>
+      <p:par>
+        <p:cTn id="1" dur="indefinite" restart="never" nodeType="tmRoot"/>
+      </p:par>
+    </p:tnLst>
+  </p:timing>
+</p:sld>
+</file>
+
+<file path=ppt/slides/slide35.xml><?xml version="1.0" encoding="utf-8"?>
+<p:sld xmlns:a="http://schemas.openxmlformats.org/drawingml/2006/main" xmlns:r="http://schemas.openxmlformats.org/officeDocument/2006/relationships" xmlns:p="http://schemas.openxmlformats.org/presentationml/2006/main">
+  <p:cSld>
+    <p:spTree>
+      <p:nvGrpSpPr>
+        <p:cNvPr id="1" name=""/>
+        <p:cNvGrpSpPr/>
+        <p:nvPr/>
+      </p:nvGrpSpPr>
+      <p:grpSpPr>
+        <a:xfrm>
+          <a:off x="0" y="0"/>
+          <a:ext cx="0" cy="0"/>
+          <a:chOff x="0" y="0"/>
+          <a:chExt cx="0" cy="0"/>
+        </a:xfrm>
+      </p:grpSpPr>
+      <p:sp>
+        <p:nvSpPr>
+          <p:cNvPr id="4" name="Title 3"/>
+          <p:cNvSpPr>
+            <a:spLocks noGrp="1"/>
+          </p:cNvSpPr>
+          <p:nvPr>
+            <p:ph type="title"/>
+          </p:nvPr>
+        </p:nvSpPr>
+        <p:spPr/>
+        <p:txBody>
+          <a:bodyPr/>
+          <a:lstStyle/>
+          <a:p>
+            <a:r>
+              <a:rPr lang="en-US" dirty="0" smtClean="0"/>
+              <a:t>Summary</a:t>
+            </a:r>
+            <a:endParaRPr lang="en-US" dirty="0"/>
+          </a:p>
+        </p:txBody>
+      </p:sp>
+      <p:sp>
+        <p:nvSpPr>
+          <p:cNvPr id="5" name="Content Placeholder 4"/>
+          <p:cNvSpPr>
+            <a:spLocks noGrp="1"/>
+          </p:cNvSpPr>
+          <p:nvPr>
+            <p:ph idx="1"/>
+          </p:nvPr>
+        </p:nvSpPr>
+        <p:spPr/>
+        <p:txBody>
+          <a:bodyPr/>
+          <a:lstStyle/>
+          <a:p>
+            <a:pPr marL="514350" indent="-514350">
+              <a:buFont typeface="+mj-lt"/>
+              <a:buAutoNum type="arabicPeriod"/>
+            </a:pPr>
+            <a:r>
+              <a:rPr lang="en-US" dirty="0" smtClean="0"/>
+              <a:t>Train network’s head</a:t>
+            </a:r>
+          </a:p>
+          <a:p>
+            <a:pPr marL="514350" indent="-514350">
+              <a:buFont typeface="+mj-lt"/>
+              <a:buAutoNum type="arabicPeriod"/>
+            </a:pPr>
+            <a:r>
+              <a:rPr lang="en-US" dirty="0" smtClean="0"/>
+              <a:t>Add head to the convolutional part</a:t>
+            </a:r>
+          </a:p>
+          <a:p>
+            <a:pPr marL="514350" indent="-514350">
+              <a:buFont typeface="+mj-lt"/>
+              <a:buAutoNum type="arabicPeriod"/>
+            </a:pPr>
+            <a:r>
+              <a:rPr lang="en-US" dirty="0" smtClean="0"/>
+              <a:t>Add augmentations and learning rate scheduling / CLR</a:t>
+            </a:r>
+          </a:p>
+          <a:p>
+            <a:pPr marL="514350" indent="-514350">
+              <a:buFont typeface="+mj-lt"/>
+              <a:buAutoNum type="arabicPeriod"/>
+            </a:pPr>
+            <a:r>
+              <a:rPr lang="en-US" dirty="0" smtClean="0"/>
+              <a:t>Select appropriate loss</a:t>
+            </a:r>
+          </a:p>
+          <a:p>
+            <a:pPr marL="514350" indent="-514350">
+              <a:buFont typeface="+mj-lt"/>
+              <a:buAutoNum type="arabicPeriod"/>
+            </a:pPr>
+            <a:r>
+              <a:rPr lang="en-US" dirty="0" smtClean="0"/>
+              <a:t>Predict with test-time augmentations</a:t>
+            </a:r>
+          </a:p>
+          <a:p>
+            <a:pPr marL="514350" indent="-514350">
+              <a:buFont typeface="+mj-lt"/>
+              <a:buAutoNum type="arabicPeriod"/>
+            </a:pPr>
+            <a:r>
+              <a:rPr lang="en-US" dirty="0" smtClean="0"/>
+              <a:t>If you don’t have enough training data, apply </a:t>
+            </a:r>
+            <a:r>
+              <a:rPr lang="en-US" dirty="0" err="1" smtClean="0"/>
+              <a:t>pseudolabeling</a:t>
+            </a:r>
+            <a:endParaRPr lang="en-US" dirty="0" smtClean="0"/>
+          </a:p>
+          <a:p>
+            <a:pPr marL="514350" indent="-514350">
+              <a:buFont typeface="+mj-lt"/>
+              <a:buAutoNum type="arabicPeriod"/>
+            </a:pPr>
+            <a:r>
+              <a:rPr lang="en-US" smtClean="0"/>
+              <a:t>Good luck!</a:t>
+            </a:r>
+            <a:endParaRPr lang="en-US" dirty="0" smtClean="0"/>
+          </a:p>
+          <a:p>
+            <a:pPr marL="514350" indent="-514350">
+              <a:buFont typeface="+mj-lt"/>
+              <a:buAutoNum type="arabicPeriod"/>
+            </a:pPr>
+            <a:endParaRPr lang="en-US" dirty="0"/>
+          </a:p>
+        </p:txBody>
+      </p:sp>
+    </p:spTree>
+    <p:extLst>
+      <p:ext uri="{BB962C8B-B14F-4D97-AF65-F5344CB8AC3E}">
+        <p14:creationId xmlns:p14="http://schemas.microsoft.com/office/powerpoint/2010/main" val="2427094357"/>
+      </p:ext>
+    </p:extLst>
+  </p:cSld>
+  <p:clrMapOvr>
+    <a:masterClrMapping/>
+  </p:clrMapOvr>
+  <p:timing>
+    <p:tnLst>
+      <p:par>
+        <p:cTn id="1" dur="indefinite" restart="never" nodeType="tmRoot"/>
+      </p:par>
+    </p:tnLst>
+  </p:timing>
+</p:sld>
+</file>
+
+<file path=ppt/slides/slide36.xml><?xml version="1.0" encoding="utf-8"?>
+<p:sld xmlns:a="http://schemas.openxmlformats.org/drawingml/2006/main" xmlns:r="http://schemas.openxmlformats.org/officeDocument/2006/relationships" xmlns:p="http://schemas.openxmlformats.org/presentationml/2006/main">
+  <p:cSld>
+    <p:spTree>
+      <p:nvGrpSpPr>
+        <p:cNvPr id="1" name=""/>
+        <p:cNvGrpSpPr/>
+        <p:nvPr/>
+      </p:nvGrpSpPr>
+      <p:grpSpPr>
+        <a:xfrm>
+          <a:off x="0" y="0"/>
+          <a:ext cx="0" cy="0"/>
+          <a:chOff x="0" y="0"/>
+          <a:chExt cx="0" cy="0"/>
+        </a:xfrm>
+      </p:grpSpPr>
+      <p:sp>
+        <p:nvSpPr>
+          <p:cNvPr id="2" name="Title 1"/>
+          <p:cNvSpPr>
+            <a:spLocks noGrp="1"/>
+          </p:cNvSpPr>
+          <p:nvPr>
+            <p:ph type="title"/>
+          </p:nvPr>
+        </p:nvSpPr>
+        <p:spPr/>
+        <p:txBody>
+          <a:bodyPr/>
+          <a:lstStyle/>
+          <a:p>
+            <a:r>
               <a:rPr lang="en-US" dirty="0" smtClean="0"/>
               <a:t>Other tricks (out of scope)</a:t>
             </a:r>
@@ -7262,13 +7716,10 @@
           </a:p>
           <a:p>
             <a:r>
-              <a:rPr lang="en-US" sz="3600" dirty="0" err="1" smtClean="0"/>
-              <a:t>Ensembling</a:t>
-            </a:r>
-            <a:r>
               <a:rPr lang="en-US" sz="3600" dirty="0" smtClean="0"/>
-              <a:t> of CNN</a:t>
-            </a:r>
+              <a:t> Negative samples mining</a:t>
+            </a:r>
+            <a:endParaRPr lang="en-US" sz="3600" dirty="0" smtClean="0"/>
           </a:p>
         </p:txBody>
       </p:sp>
@@ -7292,7 +7743,7 @@
 </p:sld>
 </file>
 
-<file path=ppt/slides/slide35.xml><?xml version="1.0" encoding="utf-8"?>
+<file path=ppt/slides/slide37.xml><?xml version="1.0" encoding="utf-8"?>
 <p:sld xmlns:a="http://schemas.openxmlformats.org/drawingml/2006/main" xmlns:r="http://schemas.openxmlformats.org/officeDocument/2006/relationships" xmlns:p="http://schemas.openxmlformats.org/presentationml/2006/main">
   <p:cSld>
     <p:spTree>

--- a/cnn-tips-and-tricks.pptx
+++ b/cnn-tips-and-tricks.pptx
@@ -279,7 +279,7 @@
           <a:p>
             <a:fld id="{A122AF52-36FB-473A-95B1-935522EDF6B5}" type="datetimeFigureOut">
               <a:rPr lang="en-US" smtClean="0"/>
-              <a:t>9/18/2018</a:t>
+              <a:t>9/24/2018</a:t>
             </a:fld>
             <a:endParaRPr lang="en-US"/>
           </a:p>
@@ -449,7 +449,7 @@
           <a:p>
             <a:fld id="{A122AF52-36FB-473A-95B1-935522EDF6B5}" type="datetimeFigureOut">
               <a:rPr lang="en-US" smtClean="0"/>
-              <a:t>9/18/2018</a:t>
+              <a:t>9/24/2018</a:t>
             </a:fld>
             <a:endParaRPr lang="en-US"/>
           </a:p>
@@ -629,7 +629,7 @@
           <a:p>
             <a:fld id="{A122AF52-36FB-473A-95B1-935522EDF6B5}" type="datetimeFigureOut">
               <a:rPr lang="en-US" smtClean="0"/>
-              <a:t>9/18/2018</a:t>
+              <a:t>9/24/2018</a:t>
             </a:fld>
             <a:endParaRPr lang="en-US"/>
           </a:p>
@@ -799,7 +799,7 @@
           <a:p>
             <a:fld id="{A122AF52-36FB-473A-95B1-935522EDF6B5}" type="datetimeFigureOut">
               <a:rPr lang="en-US" smtClean="0"/>
-              <a:t>9/18/2018</a:t>
+              <a:t>9/24/2018</a:t>
             </a:fld>
             <a:endParaRPr lang="en-US"/>
           </a:p>
@@ -1045,7 +1045,7 @@
           <a:p>
             <a:fld id="{A122AF52-36FB-473A-95B1-935522EDF6B5}" type="datetimeFigureOut">
               <a:rPr lang="en-US" smtClean="0"/>
-              <a:t>9/18/2018</a:t>
+              <a:t>9/24/2018</a:t>
             </a:fld>
             <a:endParaRPr lang="en-US"/>
           </a:p>
@@ -1277,7 +1277,7 @@
           <a:p>
             <a:fld id="{A122AF52-36FB-473A-95B1-935522EDF6B5}" type="datetimeFigureOut">
               <a:rPr lang="en-US" smtClean="0"/>
-              <a:t>9/18/2018</a:t>
+              <a:t>9/24/2018</a:t>
             </a:fld>
             <a:endParaRPr lang="en-US"/>
           </a:p>
@@ -1644,7 +1644,7 @@
           <a:p>
             <a:fld id="{A122AF52-36FB-473A-95B1-935522EDF6B5}" type="datetimeFigureOut">
               <a:rPr lang="en-US" smtClean="0"/>
-              <a:t>9/18/2018</a:t>
+              <a:t>9/24/2018</a:t>
             </a:fld>
             <a:endParaRPr lang="en-US"/>
           </a:p>
@@ -1762,7 +1762,7 @@
           <a:p>
             <a:fld id="{A122AF52-36FB-473A-95B1-935522EDF6B5}" type="datetimeFigureOut">
               <a:rPr lang="en-US" smtClean="0"/>
-              <a:t>9/18/2018</a:t>
+              <a:t>9/24/2018</a:t>
             </a:fld>
             <a:endParaRPr lang="en-US"/>
           </a:p>
@@ -1857,7 +1857,7 @@
           <a:p>
             <a:fld id="{A122AF52-36FB-473A-95B1-935522EDF6B5}" type="datetimeFigureOut">
               <a:rPr lang="en-US" smtClean="0"/>
-              <a:t>9/18/2018</a:t>
+              <a:t>9/24/2018</a:t>
             </a:fld>
             <a:endParaRPr lang="en-US"/>
           </a:p>
@@ -2134,7 +2134,7 @@
           <a:p>
             <a:fld id="{A122AF52-36FB-473A-95B1-935522EDF6B5}" type="datetimeFigureOut">
               <a:rPr lang="en-US" smtClean="0"/>
-              <a:t>9/18/2018</a:t>
+              <a:t>9/24/2018</a:t>
             </a:fld>
             <a:endParaRPr lang="en-US"/>
           </a:p>
@@ -2387,7 +2387,7 @@
           <a:p>
             <a:fld id="{A122AF52-36FB-473A-95B1-935522EDF6B5}" type="datetimeFigureOut">
               <a:rPr lang="en-US" smtClean="0"/>
-              <a:t>9/18/2018</a:t>
+              <a:t>9/24/2018</a:t>
             </a:fld>
             <a:endParaRPr lang="en-US"/>
           </a:p>
@@ -2600,7 +2600,7 @@
           <a:p>
             <a:fld id="{A122AF52-36FB-473A-95B1-935522EDF6B5}" type="datetimeFigureOut">
               <a:rPr lang="en-US" smtClean="0"/>
-              <a:t>9/18/2018</a:t>
+              <a:t>9/24/2018</a:t>
             </a:fld>
             <a:endParaRPr lang="en-US"/>
           </a:p>
@@ -5315,13 +5315,6 @@
               </a:rPr>
               <a:t>- https://arxiv.org/pdf/1704.00109.pdf</a:t>
             </a:r>
-            <a:endParaRPr lang="en-US" sz="1600" dirty="0">
-              <a:solidFill>
-                <a:schemeClr val="bg2">
-                  <a:lumMod val="50000"/>
-                </a:schemeClr>
-              </a:solidFill>
-            </a:endParaRPr>
           </a:p>
         </p:txBody>
       </p:sp>
@@ -6890,7 +6883,7 @@
         </p:spPr>
         <p:txBody>
           <a:bodyPr>
-            <a:normAutofit fontScale="92500" lnSpcReduction="20000"/>
+            <a:noAutofit/>
           </a:bodyPr>
           <a:lstStyle/>
           <a:p>
@@ -6899,7 +6892,7 @@
               <a:buAutoNum type="arabicPeriod"/>
             </a:pPr>
             <a:r>
-              <a:rPr lang="en-US" sz="3200" dirty="0" smtClean="0"/>
+              <a:rPr lang="en-US" sz="2400" dirty="0" smtClean="0"/>
               <a:t>Train classifier on the initial training set.</a:t>
             </a:r>
           </a:p>
@@ -6909,7 +6902,7 @@
               <a:buAutoNum type="arabicPeriod"/>
             </a:pPr>
             <a:r>
-              <a:rPr lang="en-US" sz="3200" dirty="0" smtClean="0"/>
+              <a:rPr lang="en-US" sz="2400" dirty="0" smtClean="0"/>
               <a:t>Predict validation / test set with your classifier.</a:t>
             </a:r>
           </a:p>
@@ -6919,7 +6912,7 @@
               <a:buAutoNum type="arabicPeriod"/>
             </a:pPr>
             <a:r>
-              <a:rPr lang="en-US" sz="3200" dirty="0" smtClean="0"/>
+              <a:rPr lang="en-US" sz="2400" dirty="0" smtClean="0"/>
               <a:t>Optional: remove images with low-confidence labels.</a:t>
             </a:r>
           </a:p>
@@ -6929,15 +6922,15 @@
               <a:buAutoNum type="arabicPeriod"/>
             </a:pPr>
             <a:r>
-              <a:rPr lang="en-US" sz="3200" dirty="0" smtClean="0"/>
+              <a:rPr lang="en-US" sz="2400" dirty="0" smtClean="0"/>
               <a:t>Add </a:t>
             </a:r>
             <a:r>
-              <a:rPr lang="en-US" sz="3200" dirty="0" err="1" smtClean="0"/>
+              <a:rPr lang="en-US" sz="2400" dirty="0" err="1" smtClean="0"/>
               <a:t>pseudolabeled</a:t>
             </a:r>
             <a:r>
-              <a:rPr lang="en-US" sz="3200" dirty="0" smtClean="0"/>
+              <a:rPr lang="en-US" sz="2400" dirty="0" smtClean="0"/>
               <a:t> data to your training set.</a:t>
             </a:r>
           </a:p>
@@ -6947,10 +6940,10 @@
               <a:buAutoNum type="arabicPeriod"/>
             </a:pPr>
             <a:r>
-              <a:rPr lang="en-US" sz="3200" dirty="0" smtClean="0"/>
+              <a:rPr lang="en-US" sz="2400" dirty="0" smtClean="0"/>
               <a:t>Use it to train CNN from scratch (some kind of a warmup) or to refine your previous classifier.</a:t>
             </a:r>
-            <a:endParaRPr lang="en-US" sz="3200" dirty="0"/>
+            <a:endParaRPr lang="en-US" sz="2400" dirty="0"/>
           </a:p>
         </p:txBody>
       </p:sp>
@@ -7719,7 +7712,6 @@
               <a:rPr lang="en-US" sz="3600" dirty="0" smtClean="0"/>
               <a:t> Negative samples mining</a:t>
             </a:r>
-            <a:endParaRPr lang="en-US" sz="3600" dirty="0" smtClean="0"/>
           </a:p>
         </p:txBody>
       </p:sp>

--- a/cnn-tips-and-tricks.pptx
+++ b/cnn-tips-and-tricks.pptx
@@ -279,7 +279,7 @@
           <a:p>
             <a:fld id="{A122AF52-36FB-473A-95B1-935522EDF6B5}" type="datetimeFigureOut">
               <a:rPr lang="en-US" smtClean="0"/>
-              <a:t>9/24/2018</a:t>
+              <a:t>10/1/2018</a:t>
             </a:fld>
             <a:endParaRPr lang="en-US"/>
           </a:p>
@@ -449,7 +449,7 @@
           <a:p>
             <a:fld id="{A122AF52-36FB-473A-95B1-935522EDF6B5}" type="datetimeFigureOut">
               <a:rPr lang="en-US" smtClean="0"/>
-              <a:t>9/24/2018</a:t>
+              <a:t>10/1/2018</a:t>
             </a:fld>
             <a:endParaRPr lang="en-US"/>
           </a:p>
@@ -629,7 +629,7 @@
           <a:p>
             <a:fld id="{A122AF52-36FB-473A-95B1-935522EDF6B5}" type="datetimeFigureOut">
               <a:rPr lang="en-US" smtClean="0"/>
-              <a:t>9/24/2018</a:t>
+              <a:t>10/1/2018</a:t>
             </a:fld>
             <a:endParaRPr lang="en-US"/>
           </a:p>
@@ -799,7 +799,7 @@
           <a:p>
             <a:fld id="{A122AF52-36FB-473A-95B1-935522EDF6B5}" type="datetimeFigureOut">
               <a:rPr lang="en-US" smtClean="0"/>
-              <a:t>9/24/2018</a:t>
+              <a:t>10/1/2018</a:t>
             </a:fld>
             <a:endParaRPr lang="en-US"/>
           </a:p>
@@ -1045,7 +1045,7 @@
           <a:p>
             <a:fld id="{A122AF52-36FB-473A-95B1-935522EDF6B5}" type="datetimeFigureOut">
               <a:rPr lang="en-US" smtClean="0"/>
-              <a:t>9/24/2018</a:t>
+              <a:t>10/1/2018</a:t>
             </a:fld>
             <a:endParaRPr lang="en-US"/>
           </a:p>
@@ -1277,7 +1277,7 @@
           <a:p>
             <a:fld id="{A122AF52-36FB-473A-95B1-935522EDF6B5}" type="datetimeFigureOut">
               <a:rPr lang="en-US" smtClean="0"/>
-              <a:t>9/24/2018</a:t>
+              <a:t>10/1/2018</a:t>
             </a:fld>
             <a:endParaRPr lang="en-US"/>
           </a:p>
@@ -1644,7 +1644,7 @@
           <a:p>
             <a:fld id="{A122AF52-36FB-473A-95B1-935522EDF6B5}" type="datetimeFigureOut">
               <a:rPr lang="en-US" smtClean="0"/>
-              <a:t>9/24/2018</a:t>
+              <a:t>10/1/2018</a:t>
             </a:fld>
             <a:endParaRPr lang="en-US"/>
           </a:p>
@@ -1762,7 +1762,7 @@
           <a:p>
             <a:fld id="{A122AF52-36FB-473A-95B1-935522EDF6B5}" type="datetimeFigureOut">
               <a:rPr lang="en-US" smtClean="0"/>
-              <a:t>9/24/2018</a:t>
+              <a:t>10/1/2018</a:t>
             </a:fld>
             <a:endParaRPr lang="en-US"/>
           </a:p>
@@ -1857,7 +1857,7 @@
           <a:p>
             <a:fld id="{A122AF52-36FB-473A-95B1-935522EDF6B5}" type="datetimeFigureOut">
               <a:rPr lang="en-US" smtClean="0"/>
-              <a:t>9/24/2018</a:t>
+              <a:t>10/1/2018</a:t>
             </a:fld>
             <a:endParaRPr lang="en-US"/>
           </a:p>
@@ -2134,7 +2134,7 @@
           <a:p>
             <a:fld id="{A122AF52-36FB-473A-95B1-935522EDF6B5}" type="datetimeFigureOut">
               <a:rPr lang="en-US" smtClean="0"/>
-              <a:t>9/24/2018</a:t>
+              <a:t>10/1/2018</a:t>
             </a:fld>
             <a:endParaRPr lang="en-US"/>
           </a:p>
@@ -2387,7 +2387,7 @@
           <a:p>
             <a:fld id="{A122AF52-36FB-473A-95B1-935522EDF6B5}" type="datetimeFigureOut">
               <a:rPr lang="en-US" smtClean="0"/>
-              <a:t>9/24/2018</a:t>
+              <a:t>10/1/2018</a:t>
             </a:fld>
             <a:endParaRPr lang="en-US"/>
           </a:p>
@@ -2600,7 +2600,7 @@
           <a:p>
             <a:fld id="{A122AF52-36FB-473A-95B1-935522EDF6B5}" type="datetimeFigureOut">
               <a:rPr lang="en-US" smtClean="0"/>
-              <a:t>9/24/2018</a:t>
+              <a:t>10/1/2018</a:t>
             </a:fld>
             <a:endParaRPr lang="en-US"/>
           </a:p>
@@ -7710,8 +7710,27 @@
           <a:p>
             <a:r>
               <a:rPr lang="en-US" sz="3600" dirty="0" smtClean="0"/>
-              <a:t> Negative samples mining</a:t>
-            </a:r>
+              <a:t> </a:t>
+            </a:r>
+            <a:r>
+              <a:rPr lang="en-US" sz="3600" dirty="0" smtClean="0"/>
+              <a:t>Hard </a:t>
+            </a:r>
+            <a:r>
+              <a:rPr lang="en-US" sz="3600" dirty="0" smtClean="0"/>
+              <a:t>samples </a:t>
+            </a:r>
+            <a:r>
+              <a:rPr lang="en-US" sz="3600" dirty="0" smtClean="0"/>
+              <a:t>mining</a:t>
+            </a:r>
+          </a:p>
+          <a:p>
+            <a:r>
+              <a:rPr lang="en-US" sz="3600" dirty="0" err="1" smtClean="0"/>
+              <a:t>Ensembling</a:t>
+            </a:r>
+            <a:endParaRPr lang="en-US" sz="3600" dirty="0" smtClean="0"/>
           </a:p>
         </p:txBody>
       </p:sp>

--- a/cnn-tips-and-tricks.pptx
+++ b/cnn-tips-and-tricks.pptx
@@ -279,7 +279,7 @@
           <a:p>
             <a:fld id="{A122AF52-36FB-473A-95B1-935522EDF6B5}" type="datetimeFigureOut">
               <a:rPr lang="en-US" smtClean="0"/>
-              <a:t>10/1/2018</a:t>
+              <a:t>10/4/2018</a:t>
             </a:fld>
             <a:endParaRPr lang="en-US"/>
           </a:p>
@@ -449,7 +449,7 @@
           <a:p>
             <a:fld id="{A122AF52-36FB-473A-95B1-935522EDF6B5}" type="datetimeFigureOut">
               <a:rPr lang="en-US" smtClean="0"/>
-              <a:t>10/1/2018</a:t>
+              <a:t>10/4/2018</a:t>
             </a:fld>
             <a:endParaRPr lang="en-US"/>
           </a:p>
@@ -629,7 +629,7 @@
           <a:p>
             <a:fld id="{A122AF52-36FB-473A-95B1-935522EDF6B5}" type="datetimeFigureOut">
               <a:rPr lang="en-US" smtClean="0"/>
-              <a:t>10/1/2018</a:t>
+              <a:t>10/4/2018</a:t>
             </a:fld>
             <a:endParaRPr lang="en-US"/>
           </a:p>
@@ -687,6 +687,199 @@
   <p:clrMapOvr>
     <a:masterClrMapping/>
   </p:clrMapOvr>
+</p:sldLayout>
+</file>
+
+<file path=ppt/slideLayouts/slideLayout12.xml><?xml version="1.0" encoding="utf-8"?>
+<p:sldLayout xmlns:a="http://schemas.openxmlformats.org/drawingml/2006/main" xmlns:r="http://schemas.openxmlformats.org/officeDocument/2006/relationships" xmlns:p="http://schemas.openxmlformats.org/presentationml/2006/main" preserve="1">
+  <p:cSld name="1_Пользовательский макет">
+    <p:bg>
+      <p:bgPr>
+        <a:blipFill dpi="0" rotWithShape="0">
+          <a:blip r:embed="rId2">
+            <a:lum/>
+          </a:blip>
+          <a:srcRect/>
+          <a:tile tx="0" ty="0" sx="100000" sy="100000" flip="none" algn="ctr"/>
+        </a:blipFill>
+        <a:effectLst/>
+      </p:bgPr>
+    </p:bg>
+    <p:spTree>
+      <p:nvGrpSpPr>
+        <p:cNvPr id="1" name=""/>
+        <p:cNvGrpSpPr/>
+        <p:nvPr/>
+      </p:nvGrpSpPr>
+      <p:grpSpPr>
+        <a:xfrm>
+          <a:off x="0" y="0"/>
+          <a:ext cx="0" cy="0"/>
+          <a:chOff x="0" y="0"/>
+          <a:chExt cx="0" cy="0"/>
+        </a:xfrm>
+      </p:grpSpPr>
+      <p:sp>
+        <p:nvSpPr>
+          <p:cNvPr id="6" name="Текст 5"/>
+          <p:cNvSpPr>
+            <a:spLocks noGrp="1"/>
+          </p:cNvSpPr>
+          <p:nvPr>
+            <p:ph type="body" sz="quarter" idx="10"/>
+          </p:nvPr>
+        </p:nvSpPr>
+        <p:spPr>
+          <a:xfrm>
+            <a:off x="4318000" y="2781300"/>
+            <a:ext cx="6874933" cy="603250"/>
+          </a:xfrm>
+        </p:spPr>
+        <p:txBody>
+          <a:bodyPr/>
+          <a:lstStyle>
+            <a:lvl1pPr>
+              <a:defRPr b="1">
+                <a:solidFill>
+                  <a:srgbClr val="FFFFFF"/>
+                </a:solidFill>
+              </a:defRPr>
+            </a:lvl1pPr>
+          </a:lstStyle>
+          <a:p>
+            <a:pPr lvl="0"/>
+            <a:r>
+              <a:rPr lang="ru-RU" smtClean="0"/>
+              <a:t>Образец текста</a:t>
+            </a:r>
+          </a:p>
+        </p:txBody>
+      </p:sp>
+      <p:sp>
+        <p:nvSpPr>
+          <p:cNvPr id="8" name="Текст 7"/>
+          <p:cNvSpPr>
+            <a:spLocks noGrp="1"/>
+          </p:cNvSpPr>
+          <p:nvPr>
+            <p:ph type="body" sz="quarter" idx="11"/>
+          </p:nvPr>
+        </p:nvSpPr>
+        <p:spPr>
+          <a:xfrm>
+            <a:off x="4318000" y="3244850"/>
+            <a:ext cx="6874933" cy="381000"/>
+          </a:xfrm>
+        </p:spPr>
+        <p:txBody>
+          <a:bodyPr/>
+          <a:lstStyle>
+            <a:lvl1pPr>
+              <a:defRPr sz="1800" i="1">
+                <a:solidFill>
+                  <a:srgbClr val="FFFFFF"/>
+                </a:solidFill>
+              </a:defRPr>
+            </a:lvl1pPr>
+          </a:lstStyle>
+          <a:p>
+            <a:pPr lvl="0"/>
+            <a:r>
+              <a:rPr lang="ru-RU" smtClean="0"/>
+              <a:t>Образец текста</a:t>
+            </a:r>
+          </a:p>
+        </p:txBody>
+      </p:sp>
+      <p:sp>
+        <p:nvSpPr>
+          <p:cNvPr id="10" name="Текст 9"/>
+          <p:cNvSpPr>
+            <a:spLocks noGrp="1"/>
+          </p:cNvSpPr>
+          <p:nvPr>
+            <p:ph type="body" sz="quarter" idx="12"/>
+          </p:nvPr>
+        </p:nvSpPr>
+        <p:spPr>
+          <a:xfrm>
+            <a:off x="4318000" y="4019550"/>
+            <a:ext cx="6874933" cy="292100"/>
+          </a:xfrm>
+        </p:spPr>
+        <p:txBody>
+          <a:bodyPr/>
+          <a:lstStyle>
+            <a:lvl1pPr>
+              <a:defRPr sz="1400">
+                <a:solidFill>
+                  <a:srgbClr val="FFFFFF"/>
+                </a:solidFill>
+              </a:defRPr>
+            </a:lvl1pPr>
+          </a:lstStyle>
+          <a:p>
+            <a:pPr lvl="0"/>
+            <a:r>
+              <a:rPr lang="ru-RU" smtClean="0"/>
+              <a:t>Образец текста</a:t>
+            </a:r>
+          </a:p>
+        </p:txBody>
+      </p:sp>
+      <p:sp>
+        <p:nvSpPr>
+          <p:cNvPr id="12" name="Текст 11"/>
+          <p:cNvSpPr>
+            <a:spLocks noGrp="1"/>
+          </p:cNvSpPr>
+          <p:nvPr>
+            <p:ph type="body" sz="quarter" idx="13"/>
+          </p:nvPr>
+        </p:nvSpPr>
+        <p:spPr>
+          <a:xfrm>
+            <a:off x="4318000" y="6134100"/>
+            <a:ext cx="6874933" cy="298450"/>
+          </a:xfrm>
+        </p:spPr>
+        <p:txBody>
+          <a:bodyPr/>
+          <a:lstStyle>
+            <a:lvl1pPr>
+              <a:defRPr sz="1200">
+                <a:solidFill>
+                  <a:srgbClr val="FFFFFF"/>
+                </a:solidFill>
+              </a:defRPr>
+            </a:lvl1pPr>
+          </a:lstStyle>
+          <a:p>
+            <a:pPr lvl="0"/>
+            <a:r>
+              <a:rPr lang="ru-RU" smtClean="0"/>
+              <a:t>Образец текста</a:t>
+            </a:r>
+          </a:p>
+        </p:txBody>
+      </p:sp>
+    </p:spTree>
+    <p:extLst>
+      <p:ext uri="{BB962C8B-B14F-4D97-AF65-F5344CB8AC3E}">
+        <p14:creationId xmlns:p14="http://schemas.microsoft.com/office/powerpoint/2010/main" val="780124326"/>
+      </p:ext>
+    </p:extLst>
+  </p:cSld>
+  <p:clrMapOvr>
+    <a:masterClrMapping/>
+  </p:clrMapOvr>
+  <p:timing>
+    <p:tnLst>
+      <p:par>
+        <p:cTn id="1" dur="indefinite" restart="never" nodeType="tmRoot"/>
+      </p:par>
+    </p:tnLst>
+  </p:timing>
 </p:sldLayout>
 </file>
 
@@ -799,7 +992,7 @@
           <a:p>
             <a:fld id="{A122AF52-36FB-473A-95B1-935522EDF6B5}" type="datetimeFigureOut">
               <a:rPr lang="en-US" smtClean="0"/>
-              <a:t>10/1/2018</a:t>
+              <a:t>10/4/2018</a:t>
             </a:fld>
             <a:endParaRPr lang="en-US"/>
           </a:p>
@@ -1045,7 +1238,7 @@
           <a:p>
             <a:fld id="{A122AF52-36FB-473A-95B1-935522EDF6B5}" type="datetimeFigureOut">
               <a:rPr lang="en-US" smtClean="0"/>
-              <a:t>10/1/2018</a:t>
+              <a:t>10/4/2018</a:t>
             </a:fld>
             <a:endParaRPr lang="en-US"/>
           </a:p>
@@ -1277,7 +1470,7 @@
           <a:p>
             <a:fld id="{A122AF52-36FB-473A-95B1-935522EDF6B5}" type="datetimeFigureOut">
               <a:rPr lang="en-US" smtClean="0"/>
-              <a:t>10/1/2018</a:t>
+              <a:t>10/4/2018</a:t>
             </a:fld>
             <a:endParaRPr lang="en-US"/>
           </a:p>
@@ -1644,7 +1837,7 @@
           <a:p>
             <a:fld id="{A122AF52-36FB-473A-95B1-935522EDF6B5}" type="datetimeFigureOut">
               <a:rPr lang="en-US" smtClean="0"/>
-              <a:t>10/1/2018</a:t>
+              <a:t>10/4/2018</a:t>
             </a:fld>
             <a:endParaRPr lang="en-US"/>
           </a:p>
@@ -1762,7 +1955,7 @@
           <a:p>
             <a:fld id="{A122AF52-36FB-473A-95B1-935522EDF6B5}" type="datetimeFigureOut">
               <a:rPr lang="en-US" smtClean="0"/>
-              <a:t>10/1/2018</a:t>
+              <a:t>10/4/2018</a:t>
             </a:fld>
             <a:endParaRPr lang="en-US"/>
           </a:p>
@@ -1857,7 +2050,7 @@
           <a:p>
             <a:fld id="{A122AF52-36FB-473A-95B1-935522EDF6B5}" type="datetimeFigureOut">
               <a:rPr lang="en-US" smtClean="0"/>
-              <a:t>10/1/2018</a:t>
+              <a:t>10/4/2018</a:t>
             </a:fld>
             <a:endParaRPr lang="en-US"/>
           </a:p>
@@ -2134,7 +2327,7 @@
           <a:p>
             <a:fld id="{A122AF52-36FB-473A-95B1-935522EDF6B5}" type="datetimeFigureOut">
               <a:rPr lang="en-US" smtClean="0"/>
-              <a:t>10/1/2018</a:t>
+              <a:t>10/4/2018</a:t>
             </a:fld>
             <a:endParaRPr lang="en-US"/>
           </a:p>
@@ -2387,7 +2580,7 @@
           <a:p>
             <a:fld id="{A122AF52-36FB-473A-95B1-935522EDF6B5}" type="datetimeFigureOut">
               <a:rPr lang="en-US" smtClean="0"/>
-              <a:t>10/1/2018</a:t>
+              <a:t>10/4/2018</a:t>
             </a:fld>
             <a:endParaRPr lang="en-US"/>
           </a:p>
@@ -2600,7 +2793,7 @@
           <a:p>
             <a:fld id="{A122AF52-36FB-473A-95B1-935522EDF6B5}" type="datetimeFigureOut">
               <a:rPr lang="en-US" smtClean="0"/>
-              <a:t>10/1/2018</a:t>
+              <a:t>10/4/2018</a:t>
             </a:fld>
             <a:endParaRPr lang="en-US"/>
           </a:p>
@@ -2704,6 +2897,7 @@
     <p:sldLayoutId id="2147483657" r:id="rId9"/>
     <p:sldLayoutId id="2147483658" r:id="rId10"/>
     <p:sldLayoutId id="2147483659" r:id="rId11"/>
+    <p:sldLayoutId id="2147483660" r:id="rId12"/>
   </p:sldLayoutIdLst>
   <p:txStyles>
     <p:titleStyle>
@@ -3007,51 +3201,93 @@
       </p:grpSpPr>
       <p:sp>
         <p:nvSpPr>
-          <p:cNvPr id="2" name="Title 1"/>
-          <p:cNvSpPr>
-            <a:spLocks noGrp="1"/>
-          </p:cNvSpPr>
-          <p:nvPr>
-            <p:ph type="ctrTitle"/>
-          </p:nvPr>
-        </p:nvSpPr>
-        <p:spPr/>
-        <p:txBody>
-          <a:bodyPr/>
-          <a:lstStyle/>
-          <a:p>
-            <a:r>
-              <a:rPr lang="en-US" dirty="0" smtClean="0"/>
+          <p:cNvPr id="3" name="Subtitle 2"/>
+          <p:cNvSpPr>
+            <a:spLocks noGrp="1"/>
+          </p:cNvSpPr>
+          <p:nvPr>
+            <p:ph type="body" sz="quarter" idx="10"/>
+          </p:nvPr>
+        </p:nvSpPr>
+        <p:spPr>
+          <a:xfrm>
+            <a:off x="334109" y="2444750"/>
+            <a:ext cx="11500338" cy="603250"/>
+          </a:xfrm>
+        </p:spPr>
+        <p:txBody>
+          <a:bodyPr>
+            <a:normAutofit/>
+          </a:bodyPr>
+          <a:lstStyle/>
+          <a:p>
+            <a:pPr marL="0" indent="0" algn="ctr">
+              <a:buNone/>
+            </a:pPr>
+            <a:r>
+              <a:rPr lang="en-US" dirty="0"/>
               <a:t>Tuning CNN: Tips &amp; Tricks</a:t>
             </a:r>
+          </a:p>
+        </p:txBody>
+      </p:sp>
+      <p:sp>
+        <p:nvSpPr>
+          <p:cNvPr id="9" name="Text Placeholder 8"/>
+          <p:cNvSpPr>
+            <a:spLocks noGrp="1"/>
+          </p:cNvSpPr>
+          <p:nvPr>
+            <p:ph type="body" sz="quarter" idx="11"/>
+          </p:nvPr>
+        </p:nvSpPr>
+        <p:spPr>
+          <a:xfrm>
+            <a:off x="334109" y="3060700"/>
+            <a:ext cx="11500337" cy="381000"/>
+          </a:xfrm>
+        </p:spPr>
+        <p:txBody>
+          <a:bodyPr/>
+          <a:lstStyle/>
+          <a:p>
+            <a:pPr marL="0" indent="0" algn="ctr">
+              <a:buNone/>
+            </a:pPr>
+            <a:r>
+              <a:rPr lang="en-US" dirty="0" smtClean="0"/>
+              <a:t>Dmytro Panchenko</a:t>
+            </a:r>
             <a:endParaRPr lang="en-US" dirty="0"/>
           </a:p>
         </p:txBody>
       </p:sp>
       <p:sp>
         <p:nvSpPr>
-          <p:cNvPr id="3" name="Subtitle 2"/>
-          <p:cNvSpPr>
-            <a:spLocks noGrp="1"/>
-          </p:cNvSpPr>
-          <p:nvPr>
-            <p:ph type="subTitle" idx="1"/>
-          </p:nvPr>
-        </p:nvSpPr>
-        <p:spPr/>
-        <p:txBody>
-          <a:bodyPr/>
-          <a:lstStyle/>
-          <a:p>
-            <a:r>
-              <a:rPr lang="en-US" dirty="0" smtClean="0"/>
-              <a:t>Dmytro Panchenko</a:t>
-            </a:r>
-          </a:p>
-          <a:p>
-            <a:r>
-              <a:rPr lang="en-US" dirty="0" smtClean="0"/>
-              <a:t>Machine Learning Engineer, </a:t>
+          <p:cNvPr id="10" name="Text Placeholder 9"/>
+          <p:cNvSpPr>
+            <a:spLocks noGrp="1"/>
+          </p:cNvSpPr>
+          <p:nvPr>
+            <p:ph type="body" sz="quarter" idx="12"/>
+          </p:nvPr>
+        </p:nvSpPr>
+        <p:spPr>
+          <a:xfrm>
+            <a:off x="334110" y="3635375"/>
+            <a:ext cx="11500336" cy="292100"/>
+          </a:xfrm>
+        </p:spPr>
+        <p:txBody>
+          <a:bodyPr/>
+          <a:lstStyle/>
+          <a:p>
+            <a:pPr marL="0" indent="0" algn="ctr">
+              <a:buNone/>
+            </a:pPr>
+            <a:r>
+              <a:rPr lang="en-US" dirty="0" smtClean="0"/>
+              <a:t>Machine learning engineer, </a:t>
             </a:r>
             <a:r>
               <a:rPr lang="en-US" dirty="0" err="1" smtClean="0"/>
@@ -3061,6 +3297,36 @@
           </a:p>
         </p:txBody>
       </p:sp>
+      <p:pic>
+        <p:nvPicPr>
+          <p:cNvPr id="13" name="Picture 12"/>
+          <p:cNvPicPr>
+            <a:picLocks noChangeAspect="1"/>
+          </p:cNvPicPr>
+          <p:nvPr/>
+        </p:nvPicPr>
+        <p:blipFill>
+          <a:blip r:embed="rId2">
+            <a:extLst>
+              <a:ext uri="{28A0092B-C50C-407E-A947-70E740481C1C}">
+                <a14:useLocalDpi xmlns:a14="http://schemas.microsoft.com/office/drawing/2010/main" val="0"/>
+              </a:ext>
+            </a:extLst>
+          </a:blip>
+          <a:stretch>
+            <a:fillRect/>
+          </a:stretch>
+        </p:blipFill>
+        <p:spPr>
+          <a:xfrm>
+            <a:off x="2492851" y="4283319"/>
+            <a:ext cx="7182852" cy="1657581"/>
+          </a:xfrm>
+          <a:prstGeom prst="rect">
+            <a:avLst/>
+          </a:prstGeom>
+        </p:spPr>
+      </p:pic>
     </p:spTree>
     <p:extLst>
       <p:ext uri="{BB962C8B-B14F-4D97-AF65-F5344CB8AC3E}">
@@ -7710,19 +7976,11 @@
           <a:p>
             <a:r>
               <a:rPr lang="en-US" sz="3600" dirty="0" smtClean="0"/>
-              <a:t> </a:t>
+              <a:t>Hard </a:t>
             </a:r>
             <a:r>
               <a:rPr lang="en-US" sz="3600" dirty="0" smtClean="0"/>
-              <a:t>Hard </a:t>
-            </a:r>
-            <a:r>
-              <a:rPr lang="en-US" sz="3600" dirty="0" smtClean="0"/>
-              <a:t>samples </a:t>
-            </a:r>
-            <a:r>
-              <a:rPr lang="en-US" sz="3600" dirty="0" smtClean="0"/>
-              <a:t>mining</a:t>
+              <a:t>samples mining</a:t>
             </a:r>
           </a:p>
           <a:p>

--- a/cnn-tips-and-tricks.pptx
+++ b/cnn-tips-and-tricks.pptx
@@ -279,7 +279,7 @@
           <a:p>
             <a:fld id="{A122AF52-36FB-473A-95B1-935522EDF6B5}" type="datetimeFigureOut">
               <a:rPr lang="en-US" smtClean="0"/>
-              <a:t>10/4/2018</a:t>
+              <a:t>10/11/2018</a:t>
             </a:fld>
             <a:endParaRPr lang="en-US"/>
           </a:p>
@@ -449,7 +449,7 @@
           <a:p>
             <a:fld id="{A122AF52-36FB-473A-95B1-935522EDF6B5}" type="datetimeFigureOut">
               <a:rPr lang="en-US" smtClean="0"/>
-              <a:t>10/4/2018</a:t>
+              <a:t>10/11/2018</a:t>
             </a:fld>
             <a:endParaRPr lang="en-US"/>
           </a:p>
@@ -629,7 +629,7 @@
           <a:p>
             <a:fld id="{A122AF52-36FB-473A-95B1-935522EDF6B5}" type="datetimeFigureOut">
               <a:rPr lang="en-US" smtClean="0"/>
-              <a:t>10/4/2018</a:t>
+              <a:t>10/11/2018</a:t>
             </a:fld>
             <a:endParaRPr lang="en-US"/>
           </a:p>
@@ -992,7 +992,7 @@
           <a:p>
             <a:fld id="{A122AF52-36FB-473A-95B1-935522EDF6B5}" type="datetimeFigureOut">
               <a:rPr lang="en-US" smtClean="0"/>
-              <a:t>10/4/2018</a:t>
+              <a:t>10/11/2018</a:t>
             </a:fld>
             <a:endParaRPr lang="en-US"/>
           </a:p>
@@ -1238,7 +1238,7 @@
           <a:p>
             <a:fld id="{A122AF52-36FB-473A-95B1-935522EDF6B5}" type="datetimeFigureOut">
               <a:rPr lang="en-US" smtClean="0"/>
-              <a:t>10/4/2018</a:t>
+              <a:t>10/11/2018</a:t>
             </a:fld>
             <a:endParaRPr lang="en-US"/>
           </a:p>
@@ -1470,7 +1470,7 @@
           <a:p>
             <a:fld id="{A122AF52-36FB-473A-95B1-935522EDF6B5}" type="datetimeFigureOut">
               <a:rPr lang="en-US" smtClean="0"/>
-              <a:t>10/4/2018</a:t>
+              <a:t>10/11/2018</a:t>
             </a:fld>
             <a:endParaRPr lang="en-US"/>
           </a:p>
@@ -1837,7 +1837,7 @@
           <a:p>
             <a:fld id="{A122AF52-36FB-473A-95B1-935522EDF6B5}" type="datetimeFigureOut">
               <a:rPr lang="en-US" smtClean="0"/>
-              <a:t>10/4/2018</a:t>
+              <a:t>10/11/2018</a:t>
             </a:fld>
             <a:endParaRPr lang="en-US"/>
           </a:p>
@@ -1955,7 +1955,7 @@
           <a:p>
             <a:fld id="{A122AF52-36FB-473A-95B1-935522EDF6B5}" type="datetimeFigureOut">
               <a:rPr lang="en-US" smtClean="0"/>
-              <a:t>10/4/2018</a:t>
+              <a:t>10/11/2018</a:t>
             </a:fld>
             <a:endParaRPr lang="en-US"/>
           </a:p>
@@ -2050,7 +2050,7 @@
           <a:p>
             <a:fld id="{A122AF52-36FB-473A-95B1-935522EDF6B5}" type="datetimeFigureOut">
               <a:rPr lang="en-US" smtClean="0"/>
-              <a:t>10/4/2018</a:t>
+              <a:t>10/11/2018</a:t>
             </a:fld>
             <a:endParaRPr lang="en-US"/>
           </a:p>
@@ -2327,7 +2327,7 @@
           <a:p>
             <a:fld id="{A122AF52-36FB-473A-95B1-935522EDF6B5}" type="datetimeFigureOut">
               <a:rPr lang="en-US" smtClean="0"/>
-              <a:t>10/4/2018</a:t>
+              <a:t>10/11/2018</a:t>
             </a:fld>
             <a:endParaRPr lang="en-US"/>
           </a:p>
@@ -2580,7 +2580,7 @@
           <a:p>
             <a:fld id="{A122AF52-36FB-473A-95B1-935522EDF6B5}" type="datetimeFigureOut">
               <a:rPr lang="en-US" smtClean="0"/>
-              <a:t>10/4/2018</a:t>
+              <a:t>10/11/2018</a:t>
             </a:fld>
             <a:endParaRPr lang="en-US"/>
           </a:p>
@@ -2793,7 +2793,7 @@
           <a:p>
             <a:fld id="{A122AF52-36FB-473A-95B1-935522EDF6B5}" type="datetimeFigureOut">
               <a:rPr lang="en-US" smtClean="0"/>
-              <a:t>10/4/2018</a:t>
+              <a:t>10/11/2018</a:t>
             </a:fld>
             <a:endParaRPr lang="en-US"/>
           </a:p>
@@ -3297,36 +3297,6 @@
           </a:p>
         </p:txBody>
       </p:sp>
-      <p:pic>
-        <p:nvPicPr>
-          <p:cNvPr id="13" name="Picture 12"/>
-          <p:cNvPicPr>
-            <a:picLocks noChangeAspect="1"/>
-          </p:cNvPicPr>
-          <p:nvPr/>
-        </p:nvPicPr>
-        <p:blipFill>
-          <a:blip r:embed="rId2">
-            <a:extLst>
-              <a:ext uri="{28A0092B-C50C-407E-A947-70E740481C1C}">
-                <a14:useLocalDpi xmlns:a14="http://schemas.microsoft.com/office/drawing/2010/main" val="0"/>
-              </a:ext>
-            </a:extLst>
-          </a:blip>
-          <a:stretch>
-            <a:fillRect/>
-          </a:stretch>
-        </p:blipFill>
-        <p:spPr>
-          <a:xfrm>
-            <a:off x="2492851" y="4283319"/>
-            <a:ext cx="7182852" cy="1657581"/>
-          </a:xfrm>
-          <a:prstGeom prst="rect">
-            <a:avLst/>
-          </a:prstGeom>
-        </p:spPr>
-      </p:pic>
     </p:spTree>
     <p:extLst>
       <p:ext uri="{BB962C8B-B14F-4D97-AF65-F5344CB8AC3E}">
@@ -7976,11 +7946,7 @@
           <a:p>
             <a:r>
               <a:rPr lang="en-US" sz="3600" dirty="0" smtClean="0"/>
-              <a:t>Hard </a:t>
-            </a:r>
-            <a:r>
-              <a:rPr lang="en-US" sz="3600" dirty="0" smtClean="0"/>
-              <a:t>samples mining</a:t>
+              <a:t>Hard samples mining</a:t>
             </a:r>
           </a:p>
           <a:p>
